--- a/PowerPoint/themes/theme3/official.pptx
+++ b/PowerPoint/themes/theme3/official.pptx
@@ -10,7 +10,7 @@
   <p:sldIdLst>
     <p:sldId id="256" r:id="rId2"/>
   </p:sldIdLst>
-  <p:sldSz cx="9144000" cy="6840538"/>
+  <p:sldSz cx="9144000" cy="5143500" type="screen16x9"/>
   <p:notesSz cx="6840538" cy="9144000"/>
   <p:defaultTextStyle>
     <a:lvl1pPr marL="0" indent="0" algn="l">
@@ -88,7 +88,7 @@
   </p:defaultTextStyle>
   <p:extLst>
     <p:ext uri="{EFAFB233-063F-42B5-8137-9DF3F51BA10A}">
-      <p15:sldGuideLst xmlns:p15="http://schemas.microsoft.com/office/powerpoint/2012/main">
+      <p15:sldGuideLst xmlns:p15="http://schemas.microsoft.com/office/powerpoint/2012/main" xmlns="">
         <p15:guide id="1" orient="horz" pos="2160">
           <p15:clr>
             <a:srgbClr val="A4A3A4"/>
@@ -324,8 +324,8 @@
         </p:nvSpPr>
         <p:spPr>
           <a:xfrm>
-            <a:off x="6004983" y="1"/>
-            <a:ext cx="3139016" cy="6840000"/>
+            <a:off x="6165743" y="1"/>
+            <a:ext cx="2978255" cy="5143095"/>
           </a:xfrm>
           <a:custGeom>
             <a:avLst/>
@@ -415,8 +415,8 @@
         </p:nvSpPr>
         <p:spPr>
           <a:xfrm>
-            <a:off x="6286500" y="3133576"/>
-            <a:ext cx="0" cy="475"/>
+            <a:off x="6286500" y="2356182"/>
+            <a:ext cx="0" cy="357"/>
           </a:xfrm>
           <a:custGeom>
             <a:avLst/>
@@ -467,7 +467,7 @@
         <p:spPr>
           <a:xfrm>
             <a:off x="5951431" y="1"/>
-            <a:ext cx="428625" cy="6840000"/>
+            <a:ext cx="428625" cy="5143095"/>
           </a:xfrm>
         </p:spPr>
       </p:sp>
@@ -481,8 +481,8 @@
         </p:nvSpPr>
         <p:spPr>
           <a:xfrm>
-            <a:off x="6156176" y="3348262"/>
-            <a:ext cx="142875" cy="144875"/>
+            <a:off x="6300192" y="2517607"/>
+            <a:ext cx="142875" cy="108934"/>
           </a:xfrm>
           <a:custGeom>
             <a:avLst/>
@@ -530,8 +530,8 @@
         </p:nvSpPr>
         <p:spPr>
           <a:xfrm>
-            <a:off x="3030008" y="3849242"/>
-            <a:ext cx="554778" cy="554958"/>
+            <a:off x="3030008" y="2894301"/>
+            <a:ext cx="554778" cy="417281"/>
           </a:xfrm>
           <a:custGeom>
             <a:avLst/>
@@ -607,8 +607,8 @@
         </p:nvSpPr>
         <p:spPr>
           <a:xfrm>
-            <a:off x="6661044" y="2591326"/>
-            <a:ext cx="2231163" cy="1657350"/>
+            <a:off x="6661045" y="1948455"/>
+            <a:ext cx="2231163" cy="1246186"/>
           </a:xfrm>
           <a:prstGeom prst="rect">
             <a:avLst/>
@@ -652,8 +652,8 @@
         </p:nvSpPr>
         <p:spPr>
           <a:xfrm>
-            <a:off x="467546" y="2562549"/>
-            <a:ext cx="5537439" cy="1649808"/>
+            <a:off x="467547" y="1926818"/>
+            <a:ext cx="5537439" cy="1240515"/>
           </a:xfrm>
         </p:spPr>
         <p:txBody>
@@ -690,7 +690,7 @@
             <a:fld id="{B7184183-74E9-4393-9769-E1D9236041BE}" type="datetimeFigureOut">
               <a:rPr lang="ru-RU" smtClean="0"/>
               <a:pPr/>
-              <a:t>05.12.2012</a:t>
+              <a:t>22.10.2013</a:t>
             </a:fld>
             <a:endParaRPr lang="ru-RU" dirty="0"/>
           </a:p>
@@ -864,7 +864,7 @@
             <a:fld id="{B7184183-74E9-4393-9769-E1D9236041BE}" type="datetimeFigureOut">
               <a:rPr lang="ru-RU" smtClean="0"/>
               <a:pPr/>
-              <a:t>05.12.2012</a:t>
+              <a:t>22.10.2013</a:t>
             </a:fld>
             <a:endParaRPr lang="ru-RU" dirty="0"/>
           </a:p>
@@ -962,8 +962,8 @@
         </p:nvSpPr>
         <p:spPr>
           <a:xfrm>
-            <a:off x="6629400" y="273942"/>
-            <a:ext cx="2057400" cy="5820791"/>
+            <a:off x="6629400" y="205982"/>
+            <a:ext cx="2057400" cy="4376737"/>
           </a:xfrm>
         </p:spPr>
         <p:txBody>
@@ -990,8 +990,8 @@
         </p:nvSpPr>
         <p:spPr>
           <a:xfrm>
-            <a:off x="457200" y="273942"/>
-            <a:ext cx="6019800" cy="5820791"/>
+            <a:off x="457200" y="205982"/>
+            <a:ext cx="6019800" cy="4376737"/>
           </a:xfrm>
         </p:spPr>
         <p:txBody>
@@ -1053,7 +1053,7 @@
             <a:fld id="{B7184183-74E9-4393-9769-E1D9236041BE}" type="datetimeFigureOut">
               <a:rPr lang="ru-RU" smtClean="0"/>
               <a:pPr/>
-              <a:t>05.12.2012</a:t>
+              <a:t>22.10.2013</a:t>
             </a:fld>
             <a:endParaRPr lang="ru-RU" dirty="0"/>
           </a:p>
@@ -1232,7 +1232,7 @@
             <a:fld id="{B7184183-74E9-4393-9769-E1D9236041BE}" type="datetimeFigureOut">
               <a:rPr lang="ru-RU" smtClean="0"/>
               <a:pPr/>
-              <a:t>05.12.2012</a:t>
+              <a:t>22.10.2013</a:t>
             </a:fld>
             <a:endParaRPr lang="ru-RU" dirty="0"/>
           </a:p>
@@ -1330,8 +1330,8 @@
         </p:nvSpPr>
         <p:spPr>
           <a:xfrm>
-            <a:off x="722313" y="4395682"/>
-            <a:ext cx="7772400" cy="1358607"/>
+            <a:off x="722313" y="3305178"/>
+            <a:ext cx="7772400" cy="1021556"/>
           </a:xfrm>
         </p:spPr>
         <p:txBody>
@@ -1362,8 +1362,8 @@
         </p:nvSpPr>
         <p:spPr>
           <a:xfrm>
-            <a:off x="722313" y="2899315"/>
-            <a:ext cx="7772400" cy="1496367"/>
+            <a:off x="722313" y="2180038"/>
+            <a:ext cx="7772400" cy="1125140"/>
           </a:xfrm>
         </p:spPr>
         <p:txBody>
@@ -1487,7 +1487,7 @@
             <a:fld id="{B7184183-74E9-4393-9769-E1D9236041BE}" type="datetimeFigureOut">
               <a:rPr lang="ru-RU" smtClean="0"/>
               <a:pPr/>
-              <a:t>05.12.2012</a:t>
+              <a:t>22.10.2013</a:t>
             </a:fld>
             <a:endParaRPr lang="ru-RU" dirty="0"/>
           </a:p>
@@ -1585,8 +1585,8 @@
         </p:nvSpPr>
         <p:spPr>
           <a:xfrm>
-            <a:off x="611560" y="1591376"/>
-            <a:ext cx="3884240" cy="4503354"/>
+            <a:off x="611560" y="1196579"/>
+            <a:ext cx="3884240" cy="3386137"/>
           </a:xfrm>
         </p:spPr>
         <p:txBody>
@@ -1670,8 +1670,8 @@
         </p:nvSpPr>
         <p:spPr>
           <a:xfrm>
-            <a:off x="4648200" y="1591376"/>
-            <a:ext cx="3884240" cy="4503354"/>
+            <a:off x="4648200" y="1196579"/>
+            <a:ext cx="3884240" cy="3386137"/>
           </a:xfrm>
         </p:spPr>
         <p:txBody>
@@ -1761,7 +1761,7 @@
             <a:fld id="{B7184183-74E9-4393-9769-E1D9236041BE}" type="datetimeFigureOut">
               <a:rPr lang="ru-RU" smtClean="0"/>
               <a:pPr/>
-              <a:t>05.12.2012</a:t>
+              <a:t>22.10.2013</a:t>
             </a:fld>
             <a:endParaRPr lang="ru-RU" dirty="0"/>
           </a:p>
@@ -1882,8 +1882,8 @@
         </p:nvSpPr>
         <p:spPr>
           <a:xfrm>
-            <a:off x="611560" y="1531204"/>
-            <a:ext cx="3885828" cy="638133"/>
+            <a:off x="611560" y="1151335"/>
+            <a:ext cx="3885828" cy="479821"/>
           </a:xfrm>
         </p:spPr>
         <p:txBody>
@@ -1947,8 +1947,8 @@
         </p:nvSpPr>
         <p:spPr>
           <a:xfrm>
-            <a:off x="611560" y="2169337"/>
-            <a:ext cx="3885828" cy="3941227"/>
+            <a:off x="611560" y="1631156"/>
+            <a:ext cx="3885828" cy="2963466"/>
           </a:xfrm>
         </p:spPr>
         <p:txBody>
@@ -2032,8 +2032,8 @@
         </p:nvSpPr>
         <p:spPr>
           <a:xfrm>
-            <a:off x="4645033" y="1531204"/>
-            <a:ext cx="3887408" cy="638133"/>
+            <a:off x="4645033" y="1151335"/>
+            <a:ext cx="3887408" cy="479821"/>
           </a:xfrm>
         </p:spPr>
         <p:txBody>
@@ -2097,8 +2097,8 @@
         </p:nvSpPr>
         <p:spPr>
           <a:xfrm>
-            <a:off x="4645033" y="2169337"/>
-            <a:ext cx="3887408" cy="3941227"/>
+            <a:off x="4645033" y="1631156"/>
+            <a:ext cx="3887408" cy="2963466"/>
           </a:xfrm>
         </p:spPr>
         <p:txBody>
@@ -2188,7 +2188,7 @@
             <a:fld id="{B7184183-74E9-4393-9769-E1D9236041BE}" type="datetimeFigureOut">
               <a:rPr lang="ru-RU" smtClean="0"/>
               <a:pPr/>
-              <a:t>05.12.2012</a:t>
+              <a:t>22.10.2013</a:t>
             </a:fld>
             <a:endParaRPr lang="ru-RU" dirty="0"/>
           </a:p>
@@ -2338,7 +2338,7 @@
             <a:fld id="{B7184183-74E9-4393-9769-E1D9236041BE}" type="datetimeFigureOut">
               <a:rPr lang="ru-RU" smtClean="0"/>
               <a:pPr/>
-              <a:t>05.12.2012</a:t>
+              <a:t>22.10.2013</a:t>
             </a:fld>
             <a:endParaRPr lang="ru-RU" dirty="0"/>
           </a:p>
@@ -2442,7 +2442,7 @@
             <a:fld id="{B7184183-74E9-4393-9769-E1D9236041BE}" type="datetimeFigureOut">
               <a:rPr lang="ru-RU" smtClean="0"/>
               <a:pPr/>
-              <a:t>05.12.2012</a:t>
+              <a:t>22.10.2013</a:t>
             </a:fld>
             <a:endParaRPr lang="ru-RU" dirty="0"/>
           </a:p>
@@ -2540,8 +2540,8 @@
         </p:nvSpPr>
         <p:spPr>
           <a:xfrm>
-            <a:off x="457207" y="272358"/>
-            <a:ext cx="3008313" cy="1159091"/>
+            <a:off x="457208" y="204791"/>
+            <a:ext cx="3008313" cy="871537"/>
           </a:xfrm>
         </p:spPr>
         <p:txBody>
@@ -2572,8 +2572,8 @@
         </p:nvSpPr>
         <p:spPr>
           <a:xfrm>
-            <a:off x="3575050" y="272355"/>
-            <a:ext cx="5111750" cy="5838210"/>
+            <a:off x="3575050" y="204788"/>
+            <a:ext cx="5111750" cy="4389835"/>
           </a:xfrm>
         </p:spPr>
         <p:txBody>
@@ -2657,8 +2657,8 @@
         </p:nvSpPr>
         <p:spPr>
           <a:xfrm>
-            <a:off x="457207" y="1431449"/>
-            <a:ext cx="3008313" cy="4679119"/>
+            <a:off x="457208" y="1076328"/>
+            <a:ext cx="3008313" cy="3518298"/>
           </a:xfrm>
         </p:spPr>
         <p:txBody>
@@ -2728,7 +2728,7 @@
             <a:fld id="{B7184183-74E9-4393-9769-E1D9236041BE}" type="datetimeFigureOut">
               <a:rPr lang="ru-RU" smtClean="0"/>
               <a:pPr/>
-              <a:t>05.12.2012</a:t>
+              <a:t>22.10.2013</a:t>
             </a:fld>
             <a:endParaRPr lang="ru-RU" dirty="0"/>
           </a:p>
@@ -2826,8 +2826,8 @@
         </p:nvSpPr>
         <p:spPr>
           <a:xfrm>
-            <a:off x="611560" y="4788380"/>
-            <a:ext cx="7920880" cy="565295"/>
+            <a:off x="611560" y="3600453"/>
+            <a:ext cx="7920880" cy="425054"/>
           </a:xfrm>
         </p:spPr>
         <p:txBody>
@@ -2858,8 +2858,8 @@
         </p:nvSpPr>
         <p:spPr>
           <a:xfrm>
-            <a:off x="611560" y="611218"/>
-            <a:ext cx="7920880" cy="4104323"/>
+            <a:off x="611560" y="459584"/>
+            <a:ext cx="7920880" cy="3086100"/>
           </a:xfrm>
         </p:spPr>
         <p:txBody>
@@ -2919,8 +2919,8 @@
         </p:nvSpPr>
         <p:spPr>
           <a:xfrm>
-            <a:off x="611560" y="5353671"/>
-            <a:ext cx="7920880" cy="802813"/>
+            <a:off x="611560" y="4025503"/>
+            <a:ext cx="7920880" cy="603647"/>
           </a:xfrm>
         </p:spPr>
         <p:txBody>
@@ -2990,7 +2990,7 @@
             <a:fld id="{B7184183-74E9-4393-9769-E1D9236041BE}" type="datetimeFigureOut">
               <a:rPr lang="ru-RU" smtClean="0"/>
               <a:pPr/>
-              <a:t>05.12.2012</a:t>
+              <a:t>22.10.2013</a:t>
             </a:fld>
             <a:endParaRPr lang="ru-RU" dirty="0"/>
           </a:p>
@@ -3091,8 +3091,8 @@
         </p:nvSpPr>
         <p:spPr>
           <a:xfrm>
-            <a:off x="2752" y="270"/>
-            <a:ext cx="9138496" cy="6840000"/>
+            <a:off x="2752" y="203"/>
+            <a:ext cx="9138496" cy="5143095"/>
           </a:xfrm>
           <a:custGeom>
             <a:avLst/>
@@ -3348,8 +3348,8 @@
         </p:nvSpPr>
         <p:spPr>
           <a:xfrm>
-            <a:off x="137373" y="101492"/>
-            <a:ext cx="5842211" cy="5842975"/>
+            <a:off x="137374" y="76314"/>
+            <a:ext cx="5842211" cy="4393418"/>
           </a:xfrm>
           <a:custGeom>
             <a:avLst/>
@@ -3436,8 +3436,8 @@
         </p:nvSpPr>
         <p:spPr>
           <a:xfrm>
-            <a:off x="183728" y="129992"/>
-            <a:ext cx="5707803" cy="5708866"/>
+            <a:off x="183729" y="97743"/>
+            <a:ext cx="5707803" cy="4292579"/>
           </a:xfrm>
           <a:custGeom>
             <a:avLst/>
@@ -3524,8 +3524,8 @@
         </p:nvSpPr>
         <p:spPr>
           <a:xfrm>
-            <a:off x="229870" y="158650"/>
-            <a:ext cx="5573818" cy="5574600"/>
+            <a:off x="229870" y="119291"/>
+            <a:ext cx="5573818" cy="4191623"/>
           </a:xfrm>
           <a:custGeom>
             <a:avLst/>
@@ -3612,8 +3612,8 @@
         </p:nvSpPr>
         <p:spPr>
           <a:xfrm>
-            <a:off x="276015" y="187309"/>
-            <a:ext cx="5439621" cy="5440491"/>
+            <a:off x="276016" y="140841"/>
+            <a:ext cx="5439621" cy="4090784"/>
           </a:xfrm>
           <a:custGeom>
             <a:avLst/>
@@ -3700,8 +3700,8 @@
         </p:nvSpPr>
         <p:spPr>
           <a:xfrm>
-            <a:off x="322156" y="215809"/>
-            <a:ext cx="5305636" cy="5306383"/>
+            <a:off x="322156" y="162270"/>
+            <a:ext cx="5305636" cy="3989947"/>
           </a:xfrm>
           <a:custGeom>
             <a:avLst/>
@@ -3788,8 +3788,8 @@
         </p:nvSpPr>
         <p:spPr>
           <a:xfrm>
-            <a:off x="368511" y="244466"/>
-            <a:ext cx="5171228" cy="5172116"/>
+            <a:off x="368511" y="183818"/>
+            <a:ext cx="5171228" cy="3888989"/>
           </a:xfrm>
           <a:custGeom>
             <a:avLst/>
@@ -3876,8 +3876,8 @@
         </p:nvSpPr>
         <p:spPr>
           <a:xfrm>
-            <a:off x="414657" y="273125"/>
-            <a:ext cx="5037031" cy="5037850"/>
+            <a:off x="414658" y="205366"/>
+            <a:ext cx="5037031" cy="3788033"/>
           </a:xfrm>
           <a:custGeom>
             <a:avLst/>
@@ -3964,8 +3964,8 @@
         </p:nvSpPr>
         <p:spPr>
           <a:xfrm>
-            <a:off x="460798" y="301626"/>
-            <a:ext cx="4903046" cy="4903741"/>
+            <a:off x="460798" y="226797"/>
+            <a:ext cx="4903046" cy="3687194"/>
           </a:xfrm>
           <a:custGeom>
             <a:avLst/>
@@ -4052,8 +4052,8 @@
         </p:nvSpPr>
         <p:spPr>
           <a:xfrm>
-            <a:off x="507153" y="330284"/>
-            <a:ext cx="4768638" cy="4769475"/>
+            <a:off x="507153" y="248346"/>
+            <a:ext cx="4768638" cy="3586238"/>
           </a:xfrm>
           <a:custGeom>
             <a:avLst/>
@@ -4140,8 +4140,8 @@
         </p:nvSpPr>
         <p:spPr>
           <a:xfrm>
-            <a:off x="553298" y="358941"/>
-            <a:ext cx="4634441" cy="4635208"/>
+            <a:off x="553299" y="269893"/>
+            <a:ext cx="4634441" cy="3485280"/>
           </a:xfrm>
           <a:custGeom>
             <a:avLst/>
@@ -4228,8 +4228,8 @@
         </p:nvSpPr>
         <p:spPr>
           <a:xfrm>
-            <a:off x="599440" y="387601"/>
-            <a:ext cx="4500456" cy="4500941"/>
+            <a:off x="599440" y="291443"/>
+            <a:ext cx="4500456" cy="3384323"/>
           </a:xfrm>
           <a:custGeom>
             <a:avLst/>
@@ -4316,8 +4316,8 @@
         </p:nvSpPr>
         <p:spPr>
           <a:xfrm>
-            <a:off x="645583" y="416101"/>
-            <a:ext cx="4366260" cy="4366833"/>
+            <a:off x="645583" y="312873"/>
+            <a:ext cx="4366260" cy="3283485"/>
           </a:xfrm>
           <a:custGeom>
             <a:avLst/>
@@ -4404,8 +4404,8 @@
         </p:nvSpPr>
         <p:spPr>
           <a:xfrm>
-            <a:off x="691940" y="444759"/>
-            <a:ext cx="4232063" cy="4232725"/>
+            <a:off x="691941" y="334421"/>
+            <a:ext cx="4232063" cy="3182647"/>
           </a:xfrm>
           <a:custGeom>
             <a:avLst/>
@@ -4492,8 +4492,8 @@
         </p:nvSpPr>
         <p:spPr>
           <a:xfrm>
-            <a:off x="738081" y="473416"/>
-            <a:ext cx="4097866" cy="4098458"/>
+            <a:off x="738081" y="355968"/>
+            <a:ext cx="4097866" cy="3081690"/>
           </a:xfrm>
           <a:custGeom>
             <a:avLst/>
@@ -4580,8 +4580,8 @@
         </p:nvSpPr>
         <p:spPr>
           <a:xfrm>
-            <a:off x="784225" y="501916"/>
-            <a:ext cx="3963670" cy="3964350"/>
+            <a:off x="784225" y="377398"/>
+            <a:ext cx="3963670" cy="2980852"/>
           </a:xfrm>
           <a:custGeom>
             <a:avLst/>
@@ -4668,8 +4668,8 @@
         </p:nvSpPr>
         <p:spPr>
           <a:xfrm>
-            <a:off x="830582" y="530576"/>
-            <a:ext cx="3829473" cy="3830083"/>
+            <a:off x="830583" y="398948"/>
+            <a:ext cx="3829473" cy="2879895"/>
           </a:xfrm>
           <a:custGeom>
             <a:avLst/>
@@ -4756,8 +4756,8 @@
         </p:nvSpPr>
         <p:spPr>
           <a:xfrm>
-            <a:off x="876723" y="559233"/>
-            <a:ext cx="3695276" cy="3695816"/>
+            <a:off x="876723" y="420495"/>
+            <a:ext cx="3695276" cy="2778938"/>
           </a:xfrm>
           <a:custGeom>
             <a:avLst/>
@@ -4844,8 +4844,8 @@
         </p:nvSpPr>
         <p:spPr>
           <a:xfrm>
-            <a:off x="1517440" y="5070151"/>
-            <a:ext cx="886459" cy="886666"/>
+            <a:off x="1517441" y="3812320"/>
+            <a:ext cx="886459" cy="666697"/>
           </a:xfrm>
           <a:custGeom>
             <a:avLst/>
@@ -4919,8 +4919,8 @@
         </p:nvSpPr>
         <p:spPr>
           <a:xfrm>
-            <a:off x="2138256" y="4504267"/>
-            <a:ext cx="1401868" cy="1402041"/>
+            <a:off x="2138256" y="3386824"/>
+            <a:ext cx="1401868" cy="1054215"/>
           </a:xfrm>
           <a:custGeom>
             <a:avLst/>
@@ -4994,8 +4994,8 @@
         </p:nvSpPr>
         <p:spPr>
           <a:xfrm>
-            <a:off x="3763223" y="4160683"/>
-            <a:ext cx="512233" cy="512208"/>
+            <a:off x="3763224" y="3128478"/>
+            <a:ext cx="512233" cy="385137"/>
           </a:xfrm>
           <a:custGeom>
             <a:avLst/>
@@ -5069,8 +5069,8 @@
         </p:nvSpPr>
         <p:spPr>
           <a:xfrm>
-            <a:off x="3030008" y="3849242"/>
-            <a:ext cx="554778" cy="554958"/>
+            <a:off x="3030008" y="2894301"/>
+            <a:ext cx="554778" cy="417281"/>
           </a:xfrm>
           <a:custGeom>
             <a:avLst/>
@@ -5144,8 +5144,8 @@
         </p:nvSpPr>
         <p:spPr>
           <a:xfrm>
-            <a:off x="2278380" y="4446476"/>
-            <a:ext cx="626956" cy="627158"/>
+            <a:off x="2278380" y="3343370"/>
+            <a:ext cx="626956" cy="471569"/>
           </a:xfrm>
           <a:custGeom>
             <a:avLst/>
@@ -5219,8 +5219,8 @@
         </p:nvSpPr>
         <p:spPr>
           <a:xfrm>
-            <a:off x="762000" y="4601326"/>
-            <a:ext cx="514350" cy="514266"/>
+            <a:off x="762000" y="3459804"/>
+            <a:ext cx="514350" cy="386684"/>
           </a:xfrm>
           <a:custGeom>
             <a:avLst/>
@@ -5294,8 +5294,8 @@
         </p:nvSpPr>
         <p:spPr>
           <a:xfrm>
-            <a:off x="2697270" y="3010234"/>
-            <a:ext cx="525779" cy="525825"/>
+            <a:off x="2697271" y="2263439"/>
+            <a:ext cx="525779" cy="395375"/>
           </a:xfrm>
           <a:custGeom>
             <a:avLst/>
@@ -5369,8 +5369,8 @@
         </p:nvSpPr>
         <p:spPr>
           <a:xfrm>
-            <a:off x="1576493" y="2507208"/>
-            <a:ext cx="829310" cy="829508"/>
+            <a:off x="1576493" y="1885206"/>
+            <a:ext cx="829310" cy="623719"/>
           </a:xfrm>
           <a:custGeom>
             <a:avLst/>
@@ -5444,8 +5444,8 @@
         </p:nvSpPr>
         <p:spPr>
           <a:xfrm>
-            <a:off x="1281430" y="3043008"/>
-            <a:ext cx="672676" cy="672758"/>
+            <a:off x="1281430" y="2288082"/>
+            <a:ext cx="672676" cy="505857"/>
           </a:xfrm>
           <a:custGeom>
             <a:avLst/>
@@ -5519,8 +5519,8 @@
         </p:nvSpPr>
         <p:spPr>
           <a:xfrm>
-            <a:off x="903395" y="2952125"/>
-            <a:ext cx="512021" cy="512208"/>
+            <a:off x="903396" y="2219746"/>
+            <a:ext cx="512021" cy="385137"/>
           </a:xfrm>
           <a:custGeom>
             <a:avLst/>
@@ -5594,8 +5594,8 @@
         </p:nvSpPr>
         <p:spPr>
           <a:xfrm>
-            <a:off x="1155911" y="1492133"/>
-            <a:ext cx="767080" cy="767283"/>
+            <a:off x="1155911" y="1121957"/>
+            <a:ext cx="767080" cy="576931"/>
           </a:xfrm>
           <a:custGeom>
             <a:avLst/>
@@ -5669,8 +5669,8 @@
         </p:nvSpPr>
         <p:spPr>
           <a:xfrm>
-            <a:off x="1941618" y="836316"/>
-            <a:ext cx="736388" cy="736408"/>
+            <a:off x="1941618" y="628838"/>
+            <a:ext cx="736388" cy="553716"/>
           </a:xfrm>
           <a:custGeom>
             <a:avLst/>
@@ -5744,8 +5744,8 @@
         </p:nvSpPr>
         <p:spPr>
           <a:xfrm>
-            <a:off x="3380740" y="1971409"/>
-            <a:ext cx="789940" cy="790083"/>
+            <a:off x="3380740" y="1482331"/>
+            <a:ext cx="789940" cy="594075"/>
           </a:xfrm>
           <a:custGeom>
             <a:avLst/>
@@ -5819,8 +5819,8 @@
         </p:nvSpPr>
         <p:spPr>
           <a:xfrm>
-            <a:off x="653628" y="1968400"/>
-            <a:ext cx="512233" cy="512208"/>
+            <a:off x="653629" y="1480068"/>
+            <a:ext cx="512233" cy="385137"/>
           </a:xfrm>
           <a:custGeom>
             <a:avLst/>
@@ -5894,8 +5894,8 @@
         </p:nvSpPr>
         <p:spPr>
           <a:xfrm>
-            <a:off x="1841290" y="1145384"/>
-            <a:ext cx="578273" cy="578391"/>
+            <a:off x="1841291" y="861231"/>
+            <a:ext cx="578273" cy="434901"/>
           </a:xfrm>
           <a:custGeom>
             <a:avLst/>
@@ -5969,8 +5969,8 @@
         </p:nvSpPr>
         <p:spPr>
           <a:xfrm>
-            <a:off x="1315298" y="877484"/>
-            <a:ext cx="592455" cy="592483"/>
+            <a:off x="1315299" y="659793"/>
+            <a:ext cx="592455" cy="445497"/>
           </a:xfrm>
           <a:custGeom>
             <a:avLst/>
@@ -6044,8 +6044,8 @@
         </p:nvSpPr>
         <p:spPr>
           <a:xfrm>
-            <a:off x="3151716" y="581084"/>
-            <a:ext cx="757554" cy="757625"/>
+            <a:off x="3151716" y="436926"/>
+            <a:ext cx="757554" cy="569669"/>
           </a:xfrm>
           <a:custGeom>
             <a:avLst/>
@@ -6119,8 +6119,8 @@
         </p:nvSpPr>
         <p:spPr>
           <a:xfrm>
-            <a:off x="4143377" y="3314866"/>
-            <a:ext cx="658283" cy="658349"/>
+            <a:off x="4143378" y="2492496"/>
+            <a:ext cx="658283" cy="495022"/>
           </a:xfrm>
           <a:custGeom>
             <a:avLst/>
@@ -6194,8 +6194,8 @@
         </p:nvSpPr>
         <p:spPr>
           <a:xfrm>
-            <a:off x="1733552" y="4361767"/>
-            <a:ext cx="597323" cy="597391"/>
+            <a:off x="1733553" y="3279676"/>
+            <a:ext cx="597323" cy="449187"/>
           </a:xfrm>
           <a:custGeom>
             <a:avLst/>
@@ -6269,8 +6269,8 @@
         </p:nvSpPr>
         <p:spPr>
           <a:xfrm>
-            <a:off x="1236347" y="4717067"/>
-            <a:ext cx="566631" cy="566675"/>
+            <a:off x="1236348" y="3546832"/>
+            <a:ext cx="566631" cy="426091"/>
           </a:xfrm>
           <a:custGeom>
             <a:avLst/>
@@ -6344,8 +6344,8 @@
         </p:nvSpPr>
         <p:spPr>
           <a:xfrm>
-            <a:off x="1129876" y="5373359"/>
-            <a:ext cx="564938" cy="564933"/>
+            <a:off x="1129876" y="4040307"/>
+            <a:ext cx="564938" cy="424781"/>
           </a:xfrm>
           <a:custGeom>
             <a:avLst/>
@@ -6419,8 +6419,8 @@
         </p:nvSpPr>
         <p:spPr>
           <a:xfrm>
-            <a:off x="1777576" y="5840126"/>
-            <a:ext cx="670136" cy="670225"/>
+            <a:off x="1777576" y="4391276"/>
+            <a:ext cx="670136" cy="503952"/>
           </a:xfrm>
           <a:custGeom>
             <a:avLst/>
@@ -6494,8 +6494,8 @@
         </p:nvSpPr>
         <p:spPr>
           <a:xfrm>
-            <a:off x="1681482" y="6228582"/>
-            <a:ext cx="516255" cy="516483"/>
+            <a:off x="1681483" y="4683362"/>
+            <a:ext cx="516255" cy="388351"/>
           </a:xfrm>
           <a:custGeom>
             <a:avLst/>
@@ -6569,8 +6569,8 @@
         </p:nvSpPr>
         <p:spPr>
           <a:xfrm>
-            <a:off x="2697691" y="5949534"/>
-            <a:ext cx="544830" cy="544825"/>
+            <a:off x="2697691" y="4473541"/>
+            <a:ext cx="544830" cy="409662"/>
           </a:xfrm>
           <a:custGeom>
             <a:avLst/>
@@ -6644,8 +6644,8 @@
         </p:nvSpPr>
         <p:spPr>
           <a:xfrm>
-            <a:off x="2278382" y="5564466"/>
-            <a:ext cx="733425" cy="733400"/>
+            <a:off x="2278383" y="4184003"/>
+            <a:ext cx="733425" cy="551454"/>
           </a:xfrm>
           <a:custGeom>
             <a:avLst/>
@@ -6719,8 +6719,8 @@
         </p:nvSpPr>
         <p:spPr>
           <a:xfrm>
-            <a:off x="2616837" y="4285767"/>
-            <a:ext cx="516255" cy="516325"/>
+            <a:off x="2616838" y="3222531"/>
+            <a:ext cx="516255" cy="388232"/>
           </a:xfrm>
           <a:custGeom>
             <a:avLst/>
@@ -6794,8 +6794,8 @@
         </p:nvSpPr>
         <p:spPr>
           <a:xfrm>
-            <a:off x="1248411" y="1236267"/>
-            <a:ext cx="606001" cy="606100"/>
+            <a:off x="1248412" y="929567"/>
+            <a:ext cx="606001" cy="455735"/>
           </a:xfrm>
           <a:custGeom>
             <a:avLst/>
@@ -6869,8 +6869,8 @@
         </p:nvSpPr>
         <p:spPr>
           <a:xfrm>
-            <a:off x="1957283" y="36734"/>
-            <a:ext cx="564303" cy="564458"/>
+            <a:off x="1957284" y="27621"/>
+            <a:ext cx="564303" cy="424424"/>
           </a:xfrm>
           <a:custGeom>
             <a:avLst/>
@@ -6944,8 +6944,8 @@
         </p:nvSpPr>
         <p:spPr>
           <a:xfrm>
-            <a:off x="1704130" y="35625"/>
-            <a:ext cx="561551" cy="561608"/>
+            <a:off x="1704131" y="26787"/>
+            <a:ext cx="561551" cy="422281"/>
           </a:xfrm>
           <a:custGeom>
             <a:avLst/>
@@ -7019,8 +7019,8 @@
         </p:nvSpPr>
         <p:spPr>
           <a:xfrm>
-            <a:off x="0" y="3943925"/>
-            <a:ext cx="9138776" cy="76158"/>
+            <a:off x="0" y="2965495"/>
+            <a:ext cx="9138776" cy="57264"/>
           </a:xfrm>
           <a:custGeom>
             <a:avLst/>
@@ -7075,8 +7075,8 @@
         </p:nvSpPr>
         <p:spPr>
           <a:xfrm>
-            <a:off x="599440" y="1596129"/>
-            <a:ext cx="7933000" cy="4514439"/>
+            <a:off x="599440" y="1200153"/>
+            <a:ext cx="7933000" cy="3394472"/>
           </a:xfrm>
           <a:prstGeom prst="rect">
             <a:avLst/>
@@ -7137,8 +7137,8 @@
         </p:nvSpPr>
         <p:spPr>
           <a:xfrm>
-            <a:off x="611560" y="6340169"/>
-            <a:ext cx="2133600" cy="364195"/>
+            <a:off x="611560" y="4767265"/>
+            <a:ext cx="2133600" cy="273844"/>
           </a:xfrm>
           <a:prstGeom prst="rect">
             <a:avLst/>
@@ -7162,7 +7162,7 @@
             <a:fld id="{B7184183-74E9-4393-9769-E1D9236041BE}" type="datetimeFigureOut">
               <a:rPr lang="ru-RU" smtClean="0"/>
               <a:pPr/>
-              <a:t>05.12.2012</a:t>
+              <a:t>22.10.2013</a:t>
             </a:fld>
             <a:endParaRPr lang="ru-RU" dirty="0"/>
           </a:p>
@@ -7180,8 +7180,8 @@
         </p:nvSpPr>
         <p:spPr>
           <a:xfrm>
-            <a:off x="3124200" y="6340169"/>
-            <a:ext cx="2895600" cy="364195"/>
+            <a:off x="3124200" y="4767265"/>
+            <a:ext cx="2895600" cy="273844"/>
           </a:xfrm>
           <a:prstGeom prst="rect">
             <a:avLst/>
@@ -7218,8 +7218,8 @@
         </p:nvSpPr>
         <p:spPr>
           <a:xfrm>
-            <a:off x="590872" y="273939"/>
-            <a:ext cx="7941568" cy="1140090"/>
+            <a:off x="590872" y="205979"/>
+            <a:ext cx="7941568" cy="857250"/>
           </a:xfrm>
           <a:prstGeom prst="rect">
             <a:avLst/>
@@ -7251,8 +7251,8 @@
         </p:nvSpPr>
         <p:spPr>
           <a:xfrm>
-            <a:off x="6444208" y="6340169"/>
-            <a:ext cx="2088232" cy="364195"/>
+            <a:off x="6444208" y="4767265"/>
+            <a:ext cx="2088232" cy="273844"/>
           </a:xfrm>
           <a:prstGeom prst="rect">
             <a:avLst/>

--- a/PowerPoint/themes/theme3/official.pptx
+++ b/PowerPoint/themes/theme3/official.pptx
@@ -407,72 +407,6 @@
       </p:sp>
       <p:sp>
         <p:nvSpPr>
-          <p:cNvPr id="27" name="Shape 1078"/>
-          <p:cNvSpPr>
-            <a:spLocks noGrp="1" noChangeArrowheads="1"/>
-          </p:cNvSpPr>
-          <p:nvPr userDrawn="1"/>
-        </p:nvSpPr>
-        <p:spPr>
-          <a:xfrm>
-            <a:off x="6286500" y="2356182"/>
-            <a:ext cx="0" cy="357"/>
-          </a:xfrm>
-          <a:custGeom>
-            <a:avLst/>
-            <a:gdLst/>
-            <a:ahLst/>
-            <a:cxnLst/>
-            <a:rect l="l" t="t" r="r" b="b"/>
-            <a:pathLst>
-              <a:path w="43200" h="43200" stroke="0">
-                <a:moveTo>
-                  <a:pt x="0" y="0"/>
-                </a:moveTo>
-                <a:lnTo>
-                  <a:pt x="0" y="570"/>
-                </a:lnTo>
-                <a:lnTo>
-                  <a:pt x="0" y="570"/>
-                </a:lnTo>
-                <a:lnTo>
-                  <a:pt x="0" y="0"/>
-                </a:lnTo>
-              </a:path>
-            </a:pathLst>
-          </a:custGeom>
-          <a:solidFill>
-            <a:srgbClr val="A60C40">
-              <a:alpha val="61176"/>
-            </a:srgbClr>
-          </a:solidFill>
-          <a:ln w="9524">
-            <a:solidFill>
-              <a:srgbClr val="000000"/>
-            </a:solidFill>
-            <a:round/>
-            <a:headEnd/>
-            <a:tailEnd/>
-          </a:ln>
-        </p:spPr>
-      </p:sp>
-      <p:sp>
-        <p:nvSpPr>
-          <p:cNvPr id="43" name="Shape 1094"/>
-          <p:cNvSpPr>
-            <a:spLocks noGrp="1" noChangeArrowheads="1"/>
-          </p:cNvSpPr>
-          <p:nvPr userDrawn="1"/>
-        </p:nvSpPr>
-        <p:spPr>
-          <a:xfrm>
-            <a:off x="5951431" y="1"/>
-            <a:ext cx="428625" cy="5143095"/>
-          </a:xfrm>
-        </p:spPr>
-      </p:sp>
-      <p:sp>
-        <p:nvSpPr>
           <p:cNvPr id="51" name="Shape 1102"/>
           <p:cNvSpPr>
             <a:spLocks noGrp="1" noChangeArrowheads="1"/>
@@ -515,81 +449,6 @@
               <a:srgbClr val="000000"/>
             </a:solidFill>
             <a:bevel/>
-            <a:headEnd/>
-            <a:tailEnd/>
-          </a:ln>
-        </p:spPr>
-      </p:sp>
-      <p:sp>
-        <p:nvSpPr>
-          <p:cNvPr id="72" name="Shape 1123"/>
-          <p:cNvSpPr>
-            <a:spLocks noGrp="1" noChangeArrowheads="1"/>
-          </p:cNvSpPr>
-          <p:nvPr userDrawn="1"/>
-        </p:nvSpPr>
-        <p:spPr>
-          <a:xfrm>
-            <a:off x="3030008" y="2894301"/>
-            <a:ext cx="554778" cy="417281"/>
-          </a:xfrm>
-          <a:custGeom>
-            <a:avLst/>
-            <a:gdLst/>
-            <a:ahLst/>
-            <a:cxnLst/>
-            <a:rect l="l" t="t" r="r" b="b"/>
-            <a:pathLst>
-              <a:path w="43200" h="43200" stroke="0">
-                <a:moveTo>
-                  <a:pt x="21590" y="0"/>
-                </a:moveTo>
-                <a:lnTo>
-                  <a:pt x="21590" y="0"/>
-                </a:lnTo>
-                <a:cubicBezTo>
-                  <a:pt x="33524" y="0"/>
-                  <a:pt x="43200" y="9662"/>
-                  <a:pt x="43200" y="21592"/>
-                </a:cubicBezTo>
-                <a:lnTo>
-                  <a:pt x="43200" y="21592"/>
-                </a:lnTo>
-                <a:cubicBezTo>
-                  <a:pt x="43200" y="33524"/>
-                  <a:pt x="33524" y="43200"/>
-                  <a:pt x="21590" y="43200"/>
-                </a:cubicBezTo>
-                <a:lnTo>
-                  <a:pt x="21590" y="43200"/>
-                </a:lnTo>
-                <a:cubicBezTo>
-                  <a:pt x="9674" y="43200"/>
-                  <a:pt x="0" y="33524"/>
-                  <a:pt x="0" y="21592"/>
-                </a:cubicBezTo>
-                <a:lnTo>
-                  <a:pt x="0" y="21592"/>
-                </a:lnTo>
-                <a:cubicBezTo>
-                  <a:pt x="0" y="9662"/>
-                  <a:pt x="9674" y="0"/>
-                  <a:pt x="21590" y="0"/>
-                </a:cubicBezTo>
-                <a:close/>
-              </a:path>
-            </a:pathLst>
-          </a:custGeom>
-          <a:solidFill>
-            <a:srgbClr val="FFFFFF">
-              <a:alpha val="2352"/>
-            </a:srgbClr>
-          </a:solidFill>
-          <a:ln w="9524">
-            <a:solidFill>
-              <a:srgbClr val="000000"/>
-            </a:solidFill>
-            <a:round/>
             <a:headEnd/>
             <a:tailEnd/>
           </a:ln>
@@ -4986,156 +4845,6 @@
       </p:sp>
       <p:sp>
         <p:nvSpPr>
-          <p:cNvPr id="27" name="Shape 1122"/>
-          <p:cNvSpPr>
-            <a:spLocks noGrp="1" noChangeArrowheads="1"/>
-          </p:cNvSpPr>
-          <p:nvPr userDrawn="1"/>
-        </p:nvSpPr>
-        <p:spPr>
-          <a:xfrm>
-            <a:off x="3763224" y="3128478"/>
-            <a:ext cx="512233" cy="385137"/>
-          </a:xfrm>
-          <a:custGeom>
-            <a:avLst/>
-            <a:gdLst/>
-            <a:ahLst/>
-            <a:cxnLst/>
-            <a:rect l="l" t="t" r="r" b="b"/>
-            <a:pathLst>
-              <a:path w="43200" h="43200" stroke="0">
-                <a:moveTo>
-                  <a:pt x="21600" y="0"/>
-                </a:moveTo>
-                <a:lnTo>
-                  <a:pt x="21600" y="0"/>
-                </a:lnTo>
-                <a:cubicBezTo>
-                  <a:pt x="33524" y="0"/>
-                  <a:pt x="43200" y="9668"/>
-                  <a:pt x="43200" y="21606"/>
-                </a:cubicBezTo>
-                <a:lnTo>
-                  <a:pt x="43200" y="21606"/>
-                </a:lnTo>
-                <a:cubicBezTo>
-                  <a:pt x="43200" y="33531"/>
-                  <a:pt x="33524" y="43199"/>
-                  <a:pt x="21600" y="43199"/>
-                </a:cubicBezTo>
-                <a:lnTo>
-                  <a:pt x="21600" y="43199"/>
-                </a:lnTo>
-                <a:cubicBezTo>
-                  <a:pt x="9675" y="43199"/>
-                  <a:pt x="0" y="33531"/>
-                  <a:pt x="0" y="21606"/>
-                </a:cubicBezTo>
-                <a:lnTo>
-                  <a:pt x="0" y="21606"/>
-                </a:lnTo>
-                <a:cubicBezTo>
-                  <a:pt x="0" y="9668"/>
-                  <a:pt x="9675" y="0"/>
-                  <a:pt x="21600" y="0"/>
-                </a:cubicBezTo>
-                <a:close/>
-              </a:path>
-            </a:pathLst>
-          </a:custGeom>
-          <a:solidFill>
-            <a:srgbClr val="FFFFFF">
-              <a:alpha val="10980"/>
-            </a:srgbClr>
-          </a:solidFill>
-          <a:ln w="9524">
-            <a:solidFill>
-              <a:srgbClr val="000000"/>
-            </a:solidFill>
-            <a:round/>
-            <a:headEnd/>
-            <a:tailEnd/>
-          </a:ln>
-        </p:spPr>
-      </p:sp>
-      <p:sp>
-        <p:nvSpPr>
-          <p:cNvPr id="28" name="Shape 1123"/>
-          <p:cNvSpPr>
-            <a:spLocks noGrp="1" noChangeArrowheads="1"/>
-          </p:cNvSpPr>
-          <p:nvPr userDrawn="1"/>
-        </p:nvSpPr>
-        <p:spPr>
-          <a:xfrm>
-            <a:off x="3030008" y="2894301"/>
-            <a:ext cx="554778" cy="417281"/>
-          </a:xfrm>
-          <a:custGeom>
-            <a:avLst/>
-            <a:gdLst/>
-            <a:ahLst/>
-            <a:cxnLst/>
-            <a:rect l="l" t="t" r="r" b="b"/>
-            <a:pathLst>
-              <a:path w="43200" h="43200" stroke="0">
-                <a:moveTo>
-                  <a:pt x="21590" y="0"/>
-                </a:moveTo>
-                <a:lnTo>
-                  <a:pt x="21590" y="0"/>
-                </a:lnTo>
-                <a:cubicBezTo>
-                  <a:pt x="33524" y="0"/>
-                  <a:pt x="43200" y="9662"/>
-                  <a:pt x="43200" y="21592"/>
-                </a:cubicBezTo>
-                <a:lnTo>
-                  <a:pt x="43200" y="21592"/>
-                </a:lnTo>
-                <a:cubicBezTo>
-                  <a:pt x="43200" y="33524"/>
-                  <a:pt x="33524" y="43200"/>
-                  <a:pt x="21590" y="43200"/>
-                </a:cubicBezTo>
-                <a:lnTo>
-                  <a:pt x="21590" y="43200"/>
-                </a:lnTo>
-                <a:cubicBezTo>
-                  <a:pt x="9674" y="43200"/>
-                  <a:pt x="0" y="33524"/>
-                  <a:pt x="0" y="21592"/>
-                </a:cubicBezTo>
-                <a:lnTo>
-                  <a:pt x="0" y="21592"/>
-                </a:lnTo>
-                <a:cubicBezTo>
-                  <a:pt x="0" y="9662"/>
-                  <a:pt x="9674" y="0"/>
-                  <a:pt x="21590" y="0"/>
-                </a:cubicBezTo>
-                <a:close/>
-              </a:path>
-            </a:pathLst>
-          </a:custGeom>
-          <a:solidFill>
-            <a:srgbClr val="FFFFFF">
-              <a:alpha val="2352"/>
-            </a:srgbClr>
-          </a:solidFill>
-          <a:ln w="9524">
-            <a:solidFill>
-              <a:srgbClr val="000000"/>
-            </a:solidFill>
-            <a:round/>
-            <a:headEnd/>
-            <a:tailEnd/>
-          </a:ln>
-        </p:spPr>
-      </p:sp>
-      <p:sp>
-        <p:nvSpPr>
           <p:cNvPr id="29" name="Shape 1124"/>
           <p:cNvSpPr>
             <a:spLocks noGrp="1" noChangeArrowheads="1"/>
@@ -5286,7 +4995,7 @@
       </p:sp>
       <p:sp>
         <p:nvSpPr>
-          <p:cNvPr id="31" name="Shape 1126"/>
+          <p:cNvPr id="43" name="Shape 1138"/>
           <p:cNvSpPr>
             <a:spLocks noGrp="1" noChangeArrowheads="1"/>
           </p:cNvSpPr>
@@ -5294,8 +5003,8 @@
         </p:nvSpPr>
         <p:spPr>
           <a:xfrm>
-            <a:off x="2697271" y="2263439"/>
-            <a:ext cx="525779" cy="395375"/>
+            <a:off x="1733553" y="3279676"/>
+            <a:ext cx="597323" cy="449187"/>
           </a:xfrm>
           <a:custGeom>
             <a:avLst/>
@@ -5312,32 +5021,32 @@
                   <a:pt x="21600" y="0"/>
                 </a:lnTo>
                 <a:cubicBezTo>
-                  <a:pt x="33530" y="0"/>
-                  <a:pt x="43199" y="9665"/>
-                  <a:pt x="43199" y="21606"/>
-                </a:cubicBezTo>
-                <a:lnTo>
-                  <a:pt x="43199" y="21606"/>
-                </a:lnTo>
-                <a:cubicBezTo>
-                  <a:pt x="43199" y="33534"/>
-                  <a:pt x="33530" y="43200"/>
+                  <a:pt x="33525" y="0"/>
+                  <a:pt x="43200" y="9675"/>
+                  <a:pt x="43200" y="21594"/>
+                </a:cubicBezTo>
+                <a:lnTo>
+                  <a:pt x="43200" y="21594"/>
+                </a:lnTo>
+                <a:cubicBezTo>
+                  <a:pt x="43200" y="33524"/>
+                  <a:pt x="33525" y="43200"/>
                   <a:pt x="21600" y="43200"/>
                 </a:cubicBezTo>
                 <a:lnTo>
                   <a:pt x="21600" y="43200"/>
                 </a:lnTo>
                 <a:cubicBezTo>
-                  <a:pt x="9669" y="43200"/>
-                  <a:pt x="0" y="33534"/>
-                  <a:pt x="0" y="21606"/>
-                </a:cubicBezTo>
-                <a:lnTo>
-                  <a:pt x="0" y="21606"/>
-                </a:lnTo>
-                <a:cubicBezTo>
-                  <a:pt x="0" y="9665"/>
-                  <a:pt x="9669" y="0"/>
+                  <a:pt x="9674" y="43200"/>
+                  <a:pt x="0" y="33524"/>
+                  <a:pt x="0" y="21594"/>
+                </a:cubicBezTo>
+                <a:lnTo>
+                  <a:pt x="0" y="21594"/>
+                </a:lnTo>
+                <a:cubicBezTo>
+                  <a:pt x="0" y="9675"/>
+                  <a:pt x="9674" y="0"/>
                   <a:pt x="21600" y="0"/>
                 </a:cubicBezTo>
                 <a:close/>
@@ -5346,7 +5055,7 @@
           </a:custGeom>
           <a:solidFill>
             <a:srgbClr val="FFFFFF">
-              <a:alpha val="66274"/>
+              <a:alpha val="7843"/>
             </a:srgbClr>
           </a:solidFill>
           <a:ln w="9524">
@@ -5361,7 +5070,7 @@
       </p:sp>
       <p:sp>
         <p:nvSpPr>
-          <p:cNvPr id="32" name="Shape 1127"/>
+          <p:cNvPr id="44" name="Shape 1139"/>
           <p:cNvSpPr>
             <a:spLocks noGrp="1" noChangeArrowheads="1"/>
           </p:cNvSpPr>
@@ -5369,8 +5078,8 @@
         </p:nvSpPr>
         <p:spPr>
           <a:xfrm>
-            <a:off x="1576493" y="1885206"/>
-            <a:ext cx="829310" cy="623719"/>
+            <a:off x="1236348" y="3546832"/>
+            <a:ext cx="566631" cy="426091"/>
           </a:xfrm>
           <a:custGeom>
             <a:avLst/>
@@ -5381,39 +5090,39 @@
             <a:pathLst>
               <a:path w="43200" h="43200" stroke="0">
                 <a:moveTo>
-                  <a:pt x="21599" y="0"/>
+                  <a:pt x="21608" y="0"/>
                 </a:moveTo>
                 <a:lnTo>
-                  <a:pt x="21599" y="0"/>
-                </a:lnTo>
-                <a:cubicBezTo>
-                  <a:pt x="33519" y="0"/>
-                  <a:pt x="43200" y="9672"/>
-                  <a:pt x="43200" y="21595"/>
-                </a:cubicBezTo>
-                <a:lnTo>
-                  <a:pt x="43200" y="21595"/>
-                </a:lnTo>
-                <a:cubicBezTo>
-                  <a:pt x="43200" y="33527"/>
-                  <a:pt x="33519" y="43200"/>
-                  <a:pt x="21599" y="43200"/>
-                </a:cubicBezTo>
-                <a:lnTo>
-                  <a:pt x="21599" y="43200"/>
-                </a:lnTo>
-                <a:cubicBezTo>
-                  <a:pt x="9669" y="43200"/>
-                  <a:pt x="0" y="33527"/>
-                  <a:pt x="0" y="21595"/>
-                </a:cubicBezTo>
-                <a:lnTo>
-                  <a:pt x="0" y="21595"/>
-                </a:lnTo>
-                <a:cubicBezTo>
-                  <a:pt x="0" y="9672"/>
-                  <a:pt x="9669" y="0"/>
-                  <a:pt x="21599" y="0"/>
+                  <a:pt x="21608" y="0"/>
+                </a:lnTo>
+                <a:cubicBezTo>
+                  <a:pt x="33533" y="0"/>
+                  <a:pt x="43200" y="9668"/>
+                  <a:pt x="43200" y="21593"/>
+                </a:cubicBezTo>
+                <a:lnTo>
+                  <a:pt x="43200" y="21593"/>
+                </a:lnTo>
+                <a:cubicBezTo>
+                  <a:pt x="43200" y="33519"/>
+                  <a:pt x="33533" y="43200"/>
+                  <a:pt x="21608" y="43200"/>
+                </a:cubicBezTo>
+                <a:lnTo>
+                  <a:pt x="21608" y="43200"/>
+                </a:lnTo>
+                <a:cubicBezTo>
+                  <a:pt x="9682" y="43200"/>
+                  <a:pt x="0" y="33519"/>
+                  <a:pt x="0" y="21593"/>
+                </a:cubicBezTo>
+                <a:lnTo>
+                  <a:pt x="0" y="21593"/>
+                </a:lnTo>
+                <a:cubicBezTo>
+                  <a:pt x="0" y="9668"/>
+                  <a:pt x="9682" y="0"/>
+                  <a:pt x="21608" y="0"/>
                 </a:cubicBezTo>
                 <a:close/>
               </a:path>
@@ -5421,7 +5130,7 @@
           </a:custGeom>
           <a:solidFill>
             <a:srgbClr val="FFFFFF">
-              <a:alpha val="18431"/>
+              <a:alpha val="24705"/>
             </a:srgbClr>
           </a:solidFill>
           <a:ln w="9524">
@@ -5436,7 +5145,7 @@
       </p:sp>
       <p:sp>
         <p:nvSpPr>
-          <p:cNvPr id="33" name="Shape 1128"/>
+          <p:cNvPr id="45" name="Shape 1140"/>
           <p:cNvSpPr>
             <a:spLocks noGrp="1" noChangeArrowheads="1"/>
           </p:cNvSpPr>
@@ -5444,8 +5153,83 @@
         </p:nvSpPr>
         <p:spPr>
           <a:xfrm>
-            <a:off x="1281430" y="2288082"/>
-            <a:ext cx="672676" cy="505857"/>
+            <a:off x="1129876" y="4040307"/>
+            <a:ext cx="564938" cy="424781"/>
+          </a:xfrm>
+          <a:custGeom>
+            <a:avLst/>
+            <a:gdLst/>
+            <a:ahLst/>
+            <a:cxnLst/>
+            <a:rect l="l" t="t" r="r" b="b"/>
+            <a:pathLst>
+              <a:path w="43200" h="43200" stroke="0">
+                <a:moveTo>
+                  <a:pt x="21607" y="0"/>
+                </a:moveTo>
+                <a:lnTo>
+                  <a:pt x="21607" y="0"/>
+                </a:lnTo>
+                <a:cubicBezTo>
+                  <a:pt x="33536" y="0"/>
+                  <a:pt x="43200" y="9673"/>
+                  <a:pt x="43200" y="21599"/>
+                </a:cubicBezTo>
+                <a:lnTo>
+                  <a:pt x="43200" y="21599"/>
+                </a:lnTo>
+                <a:cubicBezTo>
+                  <a:pt x="43200" y="33526"/>
+                  <a:pt x="33536" y="43200"/>
+                  <a:pt x="21607" y="43200"/>
+                </a:cubicBezTo>
+                <a:lnTo>
+                  <a:pt x="21607" y="43200"/>
+                </a:lnTo>
+                <a:cubicBezTo>
+                  <a:pt x="9679" y="43200"/>
+                  <a:pt x="0" y="33526"/>
+                  <a:pt x="0" y="21599"/>
+                </a:cubicBezTo>
+                <a:lnTo>
+                  <a:pt x="0" y="21599"/>
+                </a:lnTo>
+                <a:cubicBezTo>
+                  <a:pt x="0" y="9673"/>
+                  <a:pt x="9679" y="0"/>
+                  <a:pt x="21607" y="0"/>
+                </a:cubicBezTo>
+                <a:close/>
+              </a:path>
+            </a:pathLst>
+          </a:custGeom>
+          <a:solidFill>
+            <a:srgbClr val="FFFFFF">
+              <a:alpha val="32549"/>
+            </a:srgbClr>
+          </a:solidFill>
+          <a:ln w="9524">
+            <a:solidFill>
+              <a:srgbClr val="000000"/>
+            </a:solidFill>
+            <a:round/>
+            <a:headEnd/>
+            <a:tailEnd/>
+          </a:ln>
+        </p:spPr>
+      </p:sp>
+      <p:sp>
+        <p:nvSpPr>
+          <p:cNvPr id="46" name="Shape 1141"/>
+          <p:cNvSpPr>
+            <a:spLocks noGrp="1" noChangeArrowheads="1"/>
+          </p:cNvSpPr>
+          <p:nvPr userDrawn="1"/>
+        </p:nvSpPr>
+        <p:spPr>
+          <a:xfrm>
+            <a:off x="1777576" y="4391276"/>
+            <a:ext cx="670136" cy="503952"/>
           </a:xfrm>
           <a:custGeom>
             <a:avLst/>
@@ -5462,32 +5246,32 @@
                   <a:pt x="21600" y="0"/>
                 </a:lnTo>
                 <a:cubicBezTo>
-                  <a:pt x="33535" y="0"/>
-                  <a:pt x="43200" y="9668"/>
+                  <a:pt x="33525" y="0"/>
+                  <a:pt x="43200" y="9674"/>
                   <a:pt x="43200" y="21605"/>
                 </a:cubicBezTo>
                 <a:lnTo>
                   <a:pt x="43200" y="21605"/>
                 </a:lnTo>
                 <a:cubicBezTo>
-                  <a:pt x="43200" y="33531"/>
-                  <a:pt x="33535" y="43200"/>
+                  <a:pt x="43200" y="33535"/>
+                  <a:pt x="33525" y="43200"/>
                   <a:pt x="21600" y="43200"/>
                 </a:cubicBezTo>
                 <a:lnTo>
                   <a:pt x="21600" y="43200"/>
                 </a:lnTo>
                 <a:cubicBezTo>
-                  <a:pt x="9678" y="43200"/>
-                  <a:pt x="0" y="33531"/>
+                  <a:pt x="9674" y="43200"/>
+                  <a:pt x="0" y="33535"/>
                   <a:pt x="0" y="21605"/>
                 </a:cubicBezTo>
                 <a:lnTo>
                   <a:pt x="0" y="21605"/>
                 </a:lnTo>
                 <a:cubicBezTo>
-                  <a:pt x="0" y="9668"/>
-                  <a:pt x="9678" y="0"/>
+                  <a:pt x="0" y="9674"/>
+                  <a:pt x="9674" y="0"/>
                   <a:pt x="21600" y="0"/>
                 </a:cubicBezTo>
                 <a:close/>
@@ -5496,7 +5280,7 @@
           </a:custGeom>
           <a:solidFill>
             <a:srgbClr val="FFFFFF">
-              <a:alpha val="16078"/>
+              <a:alpha val="7058"/>
             </a:srgbClr>
           </a:solidFill>
           <a:ln w="9524">
@@ -5511,7 +5295,7 @@
       </p:sp>
       <p:sp>
         <p:nvSpPr>
-          <p:cNvPr id="34" name="Shape 1129"/>
+          <p:cNvPr id="47" name="Shape 1142"/>
           <p:cNvSpPr>
             <a:spLocks noGrp="1" noChangeArrowheads="1"/>
           </p:cNvSpPr>
@@ -5519,8 +5303,8 @@
         </p:nvSpPr>
         <p:spPr>
           <a:xfrm>
-            <a:off x="903396" y="2219746"/>
-            <a:ext cx="512021" cy="385137"/>
+            <a:off x="1681483" y="4683362"/>
+            <a:ext cx="516255" cy="388351"/>
           </a:xfrm>
           <a:custGeom>
             <a:avLst/>
@@ -5537,633 +5321,33 @@
                   <a:pt x="21591" y="0"/>
                 </a:lnTo>
                 <a:cubicBezTo>
-                  <a:pt x="33538" y="0"/>
-                  <a:pt x="43200" y="9668"/>
-                  <a:pt x="43200" y="21606"/>
-                </a:cubicBezTo>
-                <a:lnTo>
-                  <a:pt x="43200" y="21606"/>
-                </a:lnTo>
-                <a:cubicBezTo>
-                  <a:pt x="43200" y="33531"/>
-                  <a:pt x="33538" y="43199"/>
-                  <a:pt x="21591" y="43199"/>
-                </a:cubicBezTo>
-                <a:lnTo>
-                  <a:pt x="21591" y="43199"/>
-                </a:lnTo>
-                <a:cubicBezTo>
-                  <a:pt x="9661" y="43199"/>
-                  <a:pt x="0" y="33531"/>
-                  <a:pt x="0" y="21606"/>
-                </a:cubicBezTo>
-                <a:lnTo>
-                  <a:pt x="0" y="21606"/>
-                </a:lnTo>
-                <a:cubicBezTo>
-                  <a:pt x="0" y="9668"/>
-                  <a:pt x="9661" y="0"/>
+                  <a:pt x="33528" y="0"/>
+                  <a:pt x="43198" y="9667"/>
+                  <a:pt x="43198" y="21600"/>
+                </a:cubicBezTo>
+                <a:lnTo>
+                  <a:pt x="43198" y="21600"/>
+                </a:lnTo>
+                <a:cubicBezTo>
+                  <a:pt x="43198" y="33519"/>
+                  <a:pt x="33528" y="43200"/>
+                  <a:pt x="21591" y="43200"/>
+                </a:cubicBezTo>
+                <a:lnTo>
+                  <a:pt x="21591" y="43200"/>
+                </a:lnTo>
+                <a:cubicBezTo>
+                  <a:pt x="9670" y="43200"/>
+                  <a:pt x="0" y="33519"/>
+                  <a:pt x="0" y="21600"/>
+                </a:cubicBezTo>
+                <a:lnTo>
+                  <a:pt x="0" y="21600"/>
+                </a:lnTo>
+                <a:cubicBezTo>
+                  <a:pt x="0" y="9667"/>
+                  <a:pt x="9670" y="0"/>
                   <a:pt x="21591" y="0"/>
-                </a:cubicBezTo>
-                <a:close/>
-              </a:path>
-            </a:pathLst>
-          </a:custGeom>
-          <a:solidFill>
-            <a:srgbClr val="FFFFFF">
-              <a:alpha val="42352"/>
-            </a:srgbClr>
-          </a:solidFill>
-          <a:ln w="9524">
-            <a:solidFill>
-              <a:srgbClr val="000000"/>
-            </a:solidFill>
-            <a:round/>
-            <a:headEnd/>
-            <a:tailEnd/>
-          </a:ln>
-        </p:spPr>
-      </p:sp>
-      <p:sp>
-        <p:nvSpPr>
-          <p:cNvPr id="35" name="Shape 1130"/>
-          <p:cNvSpPr>
-            <a:spLocks noGrp="1" noChangeArrowheads="1"/>
-          </p:cNvSpPr>
-          <p:nvPr userDrawn="1"/>
-        </p:nvSpPr>
-        <p:spPr>
-          <a:xfrm>
-            <a:off x="1155911" y="1121957"/>
-            <a:ext cx="767080" cy="576931"/>
-          </a:xfrm>
-          <a:custGeom>
-            <a:avLst/>
-            <a:gdLst/>
-            <a:ahLst/>
-            <a:cxnLst/>
-            <a:rect l="l" t="t" r="r" b="b"/>
-            <a:pathLst>
-              <a:path w="43200" h="43200" stroke="0">
-                <a:moveTo>
-                  <a:pt x="21598" y="0"/>
-                </a:moveTo>
-                <a:lnTo>
-                  <a:pt x="21598" y="0"/>
-                </a:lnTo>
-                <a:cubicBezTo>
-                  <a:pt x="33531" y="0"/>
-                  <a:pt x="43199" y="9671"/>
-                  <a:pt x="43199" y="21600"/>
-                </a:cubicBezTo>
-                <a:lnTo>
-                  <a:pt x="43199" y="21600"/>
-                </a:lnTo>
-                <a:cubicBezTo>
-                  <a:pt x="43199" y="33526"/>
-                  <a:pt x="33531" y="43200"/>
-                  <a:pt x="21598" y="43200"/>
-                </a:cubicBezTo>
-                <a:lnTo>
-                  <a:pt x="21598" y="43200"/>
-                </a:lnTo>
-                <a:cubicBezTo>
-                  <a:pt x="9666" y="43200"/>
-                  <a:pt x="0" y="33526"/>
-                  <a:pt x="0" y="21600"/>
-                </a:cubicBezTo>
-                <a:lnTo>
-                  <a:pt x="0" y="21600"/>
-                </a:lnTo>
-                <a:cubicBezTo>
-                  <a:pt x="0" y="9671"/>
-                  <a:pt x="9666" y="0"/>
-                  <a:pt x="21598" y="0"/>
-                </a:cubicBezTo>
-                <a:close/>
-              </a:path>
-            </a:pathLst>
-          </a:custGeom>
-          <a:solidFill>
-            <a:srgbClr val="FFFFFF">
-              <a:alpha val="392"/>
-            </a:srgbClr>
-          </a:solidFill>
-          <a:ln w="9524">
-            <a:solidFill>
-              <a:srgbClr val="000000"/>
-            </a:solidFill>
-            <a:round/>
-            <a:headEnd/>
-            <a:tailEnd/>
-          </a:ln>
-        </p:spPr>
-      </p:sp>
-      <p:sp>
-        <p:nvSpPr>
-          <p:cNvPr id="36" name="Shape 1131"/>
-          <p:cNvSpPr>
-            <a:spLocks noGrp="1" noChangeArrowheads="1"/>
-          </p:cNvSpPr>
-          <p:nvPr userDrawn="1"/>
-        </p:nvSpPr>
-        <p:spPr>
-          <a:xfrm>
-            <a:off x="1941618" y="628838"/>
-            <a:ext cx="736388" cy="553716"/>
-          </a:xfrm>
-          <a:custGeom>
-            <a:avLst/>
-            <a:gdLst/>
-            <a:ahLst/>
-            <a:cxnLst/>
-            <a:rect l="l" t="t" r="r" b="b"/>
-            <a:pathLst>
-              <a:path w="43200" h="43200" stroke="0">
-                <a:moveTo>
-                  <a:pt x="21606" y="0"/>
-                </a:moveTo>
-                <a:lnTo>
-                  <a:pt x="21606" y="0"/>
-                </a:lnTo>
-                <a:cubicBezTo>
-                  <a:pt x="33526" y="0"/>
-                  <a:pt x="43200" y="9669"/>
-                  <a:pt x="43200" y="21604"/>
-                </a:cubicBezTo>
-                <a:lnTo>
-                  <a:pt x="43200" y="21604"/>
-                </a:lnTo>
-                <a:cubicBezTo>
-                  <a:pt x="43200" y="33530"/>
-                  <a:pt x="33526" y="43200"/>
-                  <a:pt x="21606" y="43200"/>
-                </a:cubicBezTo>
-                <a:lnTo>
-                  <a:pt x="21606" y="43200"/>
-                </a:lnTo>
-                <a:cubicBezTo>
-                  <a:pt x="9673" y="43200"/>
-                  <a:pt x="0" y="33530"/>
-                  <a:pt x="0" y="21604"/>
-                </a:cubicBezTo>
-                <a:lnTo>
-                  <a:pt x="0" y="21604"/>
-                </a:lnTo>
-                <a:cubicBezTo>
-                  <a:pt x="0" y="9669"/>
-                  <a:pt x="9673" y="0"/>
-                  <a:pt x="21606" y="0"/>
-                </a:cubicBezTo>
-                <a:close/>
-              </a:path>
-            </a:pathLst>
-          </a:custGeom>
-          <a:solidFill>
-            <a:srgbClr val="FFFFFF">
-              <a:alpha val="10196"/>
-            </a:srgbClr>
-          </a:solidFill>
-          <a:ln w="9524">
-            <a:solidFill>
-              <a:srgbClr val="000000"/>
-            </a:solidFill>
-            <a:round/>
-            <a:headEnd/>
-            <a:tailEnd/>
-          </a:ln>
-        </p:spPr>
-      </p:sp>
-      <p:sp>
-        <p:nvSpPr>
-          <p:cNvPr id="37" name="Shape 1132"/>
-          <p:cNvSpPr>
-            <a:spLocks noGrp="1" noChangeArrowheads="1"/>
-          </p:cNvSpPr>
-          <p:nvPr userDrawn="1"/>
-        </p:nvSpPr>
-        <p:spPr>
-          <a:xfrm>
-            <a:off x="3380740" y="1482331"/>
-            <a:ext cx="789940" cy="594075"/>
-          </a:xfrm>
-          <a:custGeom>
-            <a:avLst/>
-            <a:gdLst/>
-            <a:ahLst/>
-            <a:cxnLst/>
-            <a:rect l="l" t="t" r="r" b="b"/>
-            <a:pathLst>
-              <a:path w="43200" h="43200" stroke="0">
-                <a:moveTo>
-                  <a:pt x="21599" y="0"/>
-                </a:moveTo>
-                <a:lnTo>
-                  <a:pt x="21599" y="0"/>
-                </a:lnTo>
-                <a:cubicBezTo>
-                  <a:pt x="33534" y="0"/>
-                  <a:pt x="43200" y="9670"/>
-                  <a:pt x="43200" y="21599"/>
-                </a:cubicBezTo>
-                <a:lnTo>
-                  <a:pt x="43200" y="21599"/>
-                </a:lnTo>
-                <a:cubicBezTo>
-                  <a:pt x="43200" y="33529"/>
-                  <a:pt x="33534" y="43200"/>
-                  <a:pt x="21599" y="43200"/>
-                </a:cubicBezTo>
-                <a:lnTo>
-                  <a:pt x="21599" y="43200"/>
-                </a:lnTo>
-                <a:cubicBezTo>
-                  <a:pt x="9677" y="43200"/>
-                  <a:pt x="0" y="33529"/>
-                  <a:pt x="0" y="21599"/>
-                </a:cubicBezTo>
-                <a:lnTo>
-                  <a:pt x="0" y="21599"/>
-                </a:lnTo>
-                <a:cubicBezTo>
-                  <a:pt x="0" y="9670"/>
-                  <a:pt x="9677" y="0"/>
-                  <a:pt x="21599" y="0"/>
-                </a:cubicBezTo>
-                <a:close/>
-              </a:path>
-            </a:pathLst>
-          </a:custGeom>
-          <a:solidFill>
-            <a:srgbClr val="FFFFFF">
-              <a:alpha val="56862"/>
-            </a:srgbClr>
-          </a:solidFill>
-          <a:ln w="9524">
-            <a:solidFill>
-              <a:srgbClr val="000000"/>
-            </a:solidFill>
-            <a:round/>
-            <a:headEnd/>
-            <a:tailEnd/>
-          </a:ln>
-        </p:spPr>
-      </p:sp>
-      <p:sp>
-        <p:nvSpPr>
-          <p:cNvPr id="38" name="Shape 1133"/>
-          <p:cNvSpPr>
-            <a:spLocks noGrp="1" noChangeArrowheads="1"/>
-          </p:cNvSpPr>
-          <p:nvPr userDrawn="1"/>
-        </p:nvSpPr>
-        <p:spPr>
-          <a:xfrm>
-            <a:off x="653629" y="1480068"/>
-            <a:ext cx="512233" cy="385137"/>
-          </a:xfrm>
-          <a:custGeom>
-            <a:avLst/>
-            <a:gdLst/>
-            <a:ahLst/>
-            <a:cxnLst/>
-            <a:rect l="l" t="t" r="r" b="b"/>
-            <a:pathLst>
-              <a:path w="43200" h="43200" stroke="0">
-                <a:moveTo>
-                  <a:pt x="21600" y="0"/>
-                </a:moveTo>
-                <a:lnTo>
-                  <a:pt x="21600" y="0"/>
-                </a:lnTo>
-                <a:cubicBezTo>
-                  <a:pt x="33524" y="0"/>
-                  <a:pt x="43200" y="9668"/>
-                  <a:pt x="43200" y="21606"/>
-                </a:cubicBezTo>
-                <a:lnTo>
-                  <a:pt x="43200" y="21606"/>
-                </a:lnTo>
-                <a:cubicBezTo>
-                  <a:pt x="43200" y="33531"/>
-                  <a:pt x="33524" y="43200"/>
-                  <a:pt x="21600" y="43200"/>
-                </a:cubicBezTo>
-                <a:lnTo>
-                  <a:pt x="21600" y="43200"/>
-                </a:lnTo>
-                <a:cubicBezTo>
-                  <a:pt x="9675" y="43200"/>
-                  <a:pt x="0" y="33531"/>
-                  <a:pt x="0" y="21606"/>
-                </a:cubicBezTo>
-                <a:lnTo>
-                  <a:pt x="0" y="21606"/>
-                </a:lnTo>
-                <a:cubicBezTo>
-                  <a:pt x="0" y="9668"/>
-                  <a:pt x="9675" y="0"/>
-                  <a:pt x="21600" y="0"/>
-                </a:cubicBezTo>
-                <a:close/>
-              </a:path>
-            </a:pathLst>
-          </a:custGeom>
-          <a:solidFill>
-            <a:srgbClr val="FFFFFF">
-              <a:alpha val="69803"/>
-            </a:srgbClr>
-          </a:solidFill>
-          <a:ln w="9524">
-            <a:solidFill>
-              <a:srgbClr val="000000"/>
-            </a:solidFill>
-            <a:round/>
-            <a:headEnd/>
-            <a:tailEnd/>
-          </a:ln>
-        </p:spPr>
-      </p:sp>
-      <p:sp>
-        <p:nvSpPr>
-          <p:cNvPr id="39" name="Shape 1134"/>
-          <p:cNvSpPr>
-            <a:spLocks noGrp="1" noChangeArrowheads="1"/>
-          </p:cNvSpPr>
-          <p:nvPr userDrawn="1"/>
-        </p:nvSpPr>
-        <p:spPr>
-          <a:xfrm>
-            <a:off x="1841291" y="861231"/>
-            <a:ext cx="578273" cy="434901"/>
-          </a:xfrm>
-          <a:custGeom>
-            <a:avLst/>
-            <a:gdLst/>
-            <a:ahLst/>
-            <a:cxnLst/>
-            <a:rect l="l" t="t" r="r" b="b"/>
-            <a:pathLst>
-              <a:path w="43200" h="43200" stroke="0">
-                <a:moveTo>
-                  <a:pt x="21599" y="0"/>
-                </a:moveTo>
-                <a:lnTo>
-                  <a:pt x="21599" y="0"/>
-                </a:lnTo>
-                <a:cubicBezTo>
-                  <a:pt x="33521" y="0"/>
-                  <a:pt x="43200" y="9673"/>
-                  <a:pt x="43200" y="21605"/>
-                </a:cubicBezTo>
-                <a:lnTo>
-                  <a:pt x="43200" y="21605"/>
-                </a:lnTo>
-                <a:cubicBezTo>
-                  <a:pt x="43200" y="33526"/>
-                  <a:pt x="33521" y="43200"/>
-                  <a:pt x="21599" y="43200"/>
-                </a:cubicBezTo>
-                <a:lnTo>
-                  <a:pt x="21599" y="43200"/>
-                </a:lnTo>
-                <a:cubicBezTo>
-                  <a:pt x="9661" y="43200"/>
-                  <a:pt x="0" y="33526"/>
-                  <a:pt x="0" y="21605"/>
-                </a:cubicBezTo>
-                <a:lnTo>
-                  <a:pt x="0" y="21605"/>
-                </a:lnTo>
-                <a:cubicBezTo>
-                  <a:pt x="0" y="9673"/>
-                  <a:pt x="9661" y="0"/>
-                  <a:pt x="21599" y="0"/>
-                </a:cubicBezTo>
-                <a:close/>
-              </a:path>
-            </a:pathLst>
-          </a:custGeom>
-          <a:solidFill>
-            <a:srgbClr val="FFFFFF">
-              <a:alpha val="49019"/>
-            </a:srgbClr>
-          </a:solidFill>
-          <a:ln w="9524">
-            <a:solidFill>
-              <a:srgbClr val="000000"/>
-            </a:solidFill>
-            <a:round/>
-            <a:headEnd/>
-            <a:tailEnd/>
-          </a:ln>
-        </p:spPr>
-      </p:sp>
-      <p:sp>
-        <p:nvSpPr>
-          <p:cNvPr id="40" name="Shape 1135"/>
-          <p:cNvSpPr>
-            <a:spLocks noGrp="1" noChangeArrowheads="1"/>
-          </p:cNvSpPr>
-          <p:nvPr userDrawn="1"/>
-        </p:nvSpPr>
-        <p:spPr>
-          <a:xfrm>
-            <a:off x="1315299" y="659793"/>
-            <a:ext cx="592455" cy="445497"/>
-          </a:xfrm>
-          <a:custGeom>
-            <a:avLst/>
-            <a:gdLst/>
-            <a:ahLst/>
-            <a:cxnLst/>
-            <a:rect l="l" t="t" r="r" b="b"/>
-            <a:pathLst>
-              <a:path w="43200" h="43200" stroke="0">
-                <a:moveTo>
-                  <a:pt x="21606" y="0"/>
-                </a:moveTo>
-                <a:lnTo>
-                  <a:pt x="21606" y="0"/>
-                </a:lnTo>
-                <a:cubicBezTo>
-                  <a:pt x="33538" y="0"/>
-                  <a:pt x="43200" y="9661"/>
-                  <a:pt x="43200" y="21598"/>
-                </a:cubicBezTo>
-                <a:lnTo>
-                  <a:pt x="43200" y="21598"/>
-                </a:lnTo>
-                <a:cubicBezTo>
-                  <a:pt x="43200" y="33524"/>
-                  <a:pt x="33538" y="43199"/>
-                  <a:pt x="21606" y="43199"/>
-                </a:cubicBezTo>
-                <a:lnTo>
-                  <a:pt x="21606" y="43199"/>
-                </a:lnTo>
-                <a:cubicBezTo>
-                  <a:pt x="9677" y="43199"/>
-                  <a:pt x="0" y="33524"/>
-                  <a:pt x="0" y="21598"/>
-                </a:cubicBezTo>
-                <a:lnTo>
-                  <a:pt x="0" y="21598"/>
-                </a:lnTo>
-                <a:cubicBezTo>
-                  <a:pt x="0" y="9661"/>
-                  <a:pt x="9677" y="0"/>
-                  <a:pt x="21606" y="0"/>
-                </a:cubicBezTo>
-                <a:close/>
-              </a:path>
-            </a:pathLst>
-          </a:custGeom>
-          <a:solidFill>
-            <a:srgbClr val="FFFFFF">
-              <a:alpha val="47450"/>
-            </a:srgbClr>
-          </a:solidFill>
-          <a:ln w="9524">
-            <a:solidFill>
-              <a:srgbClr val="000000"/>
-            </a:solidFill>
-            <a:round/>
-            <a:headEnd/>
-            <a:tailEnd/>
-          </a:ln>
-        </p:spPr>
-      </p:sp>
-      <p:sp>
-        <p:nvSpPr>
-          <p:cNvPr id="41" name="Shape 1136"/>
-          <p:cNvSpPr>
-            <a:spLocks noGrp="1" noChangeArrowheads="1"/>
-          </p:cNvSpPr>
-          <p:nvPr userDrawn="1"/>
-        </p:nvSpPr>
-        <p:spPr>
-          <a:xfrm>
-            <a:off x="3151716" y="436926"/>
-            <a:ext cx="757554" cy="569669"/>
-          </a:xfrm>
-          <a:custGeom>
-            <a:avLst/>
-            <a:gdLst/>
-            <a:ahLst/>
-            <a:cxnLst/>
-            <a:rect l="l" t="t" r="r" b="b"/>
-            <a:pathLst>
-              <a:path w="43200" h="43200" stroke="0">
-                <a:moveTo>
-                  <a:pt x="21606" y="0"/>
-                </a:moveTo>
-                <a:lnTo>
-                  <a:pt x="21606" y="0"/>
-                </a:lnTo>
-                <a:cubicBezTo>
-                  <a:pt x="33531" y="0"/>
-                  <a:pt x="43200" y="9669"/>
-                  <a:pt x="43200" y="21604"/>
-                </a:cubicBezTo>
-                <a:lnTo>
-                  <a:pt x="43200" y="21604"/>
-                </a:lnTo>
-                <a:cubicBezTo>
-                  <a:pt x="43200" y="33529"/>
-                  <a:pt x="33531" y="43200"/>
-                  <a:pt x="21606" y="43200"/>
-                </a:cubicBezTo>
-                <a:lnTo>
-                  <a:pt x="21606" y="43200"/>
-                </a:lnTo>
-                <a:cubicBezTo>
-                  <a:pt x="9668" y="43200"/>
-                  <a:pt x="0" y="33529"/>
-                  <a:pt x="0" y="21604"/>
-                </a:cubicBezTo>
-                <a:lnTo>
-                  <a:pt x="0" y="21604"/>
-                </a:lnTo>
-                <a:cubicBezTo>
-                  <a:pt x="0" y="9669"/>
-                  <a:pt x="9668" y="0"/>
-                  <a:pt x="21606" y="0"/>
-                </a:cubicBezTo>
-                <a:close/>
-              </a:path>
-            </a:pathLst>
-          </a:custGeom>
-          <a:solidFill>
-            <a:srgbClr val="FFFFFF">
-              <a:alpha val="67843"/>
-            </a:srgbClr>
-          </a:solidFill>
-          <a:ln w="9524">
-            <a:solidFill>
-              <a:srgbClr val="000000"/>
-            </a:solidFill>
-            <a:round/>
-            <a:headEnd/>
-            <a:tailEnd/>
-          </a:ln>
-        </p:spPr>
-      </p:sp>
-      <p:sp>
-        <p:nvSpPr>
-          <p:cNvPr id="42" name="Shape 1137"/>
-          <p:cNvSpPr>
-            <a:spLocks noGrp="1" noChangeArrowheads="1"/>
-          </p:cNvSpPr>
-          <p:nvPr userDrawn="1"/>
-        </p:nvSpPr>
-        <p:spPr>
-          <a:xfrm>
-            <a:off x="4143378" y="2492496"/>
-            <a:ext cx="658283" cy="495022"/>
-          </a:xfrm>
-          <a:custGeom>
-            <a:avLst/>
-            <a:gdLst/>
-            <a:ahLst/>
-            <a:cxnLst/>
-            <a:rect l="l" t="t" r="r" b="b"/>
-            <a:pathLst>
-              <a:path w="43200" h="43200" stroke="0">
-                <a:moveTo>
-                  <a:pt x="21600" y="0"/>
-                </a:moveTo>
-                <a:lnTo>
-                  <a:pt x="21600" y="0"/>
-                </a:lnTo>
-                <a:cubicBezTo>
-                  <a:pt x="33532" y="0"/>
-                  <a:pt x="43200" y="9671"/>
-                  <a:pt x="43200" y="21600"/>
-                </a:cubicBezTo>
-                <a:lnTo>
-                  <a:pt x="43200" y="21600"/>
-                </a:lnTo>
-                <a:cubicBezTo>
-                  <a:pt x="43200" y="33537"/>
-                  <a:pt x="33532" y="43200"/>
-                  <a:pt x="21600" y="43200"/>
-                </a:cubicBezTo>
-                <a:lnTo>
-                  <a:pt x="21600" y="43200"/>
-                </a:lnTo>
-                <a:cubicBezTo>
-                  <a:pt x="9667" y="43200"/>
-                  <a:pt x="0" y="33537"/>
-                  <a:pt x="0" y="21600"/>
-                </a:cubicBezTo>
-                <a:lnTo>
-                  <a:pt x="0" y="21600"/>
-                </a:lnTo>
-                <a:cubicBezTo>
-                  <a:pt x="0" y="9671"/>
-                  <a:pt x="9667" y="0"/>
-                  <a:pt x="21600" y="0"/>
                 </a:cubicBezTo>
                 <a:close/>
               </a:path>
@@ -6186,381 +5370,6 @@
       </p:sp>
       <p:sp>
         <p:nvSpPr>
-          <p:cNvPr id="43" name="Shape 1138"/>
-          <p:cNvSpPr>
-            <a:spLocks noGrp="1" noChangeArrowheads="1"/>
-          </p:cNvSpPr>
-          <p:nvPr userDrawn="1"/>
-        </p:nvSpPr>
-        <p:spPr>
-          <a:xfrm>
-            <a:off x="1733553" y="3279676"/>
-            <a:ext cx="597323" cy="449187"/>
-          </a:xfrm>
-          <a:custGeom>
-            <a:avLst/>
-            <a:gdLst/>
-            <a:ahLst/>
-            <a:cxnLst/>
-            <a:rect l="l" t="t" r="r" b="b"/>
-            <a:pathLst>
-              <a:path w="43200" h="43200" stroke="0">
-                <a:moveTo>
-                  <a:pt x="21600" y="0"/>
-                </a:moveTo>
-                <a:lnTo>
-                  <a:pt x="21600" y="0"/>
-                </a:lnTo>
-                <a:cubicBezTo>
-                  <a:pt x="33525" y="0"/>
-                  <a:pt x="43200" y="9675"/>
-                  <a:pt x="43200" y="21594"/>
-                </a:cubicBezTo>
-                <a:lnTo>
-                  <a:pt x="43200" y="21594"/>
-                </a:lnTo>
-                <a:cubicBezTo>
-                  <a:pt x="43200" y="33524"/>
-                  <a:pt x="33525" y="43200"/>
-                  <a:pt x="21600" y="43200"/>
-                </a:cubicBezTo>
-                <a:lnTo>
-                  <a:pt x="21600" y="43200"/>
-                </a:lnTo>
-                <a:cubicBezTo>
-                  <a:pt x="9674" y="43200"/>
-                  <a:pt x="0" y="33524"/>
-                  <a:pt x="0" y="21594"/>
-                </a:cubicBezTo>
-                <a:lnTo>
-                  <a:pt x="0" y="21594"/>
-                </a:lnTo>
-                <a:cubicBezTo>
-                  <a:pt x="0" y="9675"/>
-                  <a:pt x="9674" y="0"/>
-                  <a:pt x="21600" y="0"/>
-                </a:cubicBezTo>
-                <a:close/>
-              </a:path>
-            </a:pathLst>
-          </a:custGeom>
-          <a:solidFill>
-            <a:srgbClr val="FFFFFF">
-              <a:alpha val="7843"/>
-            </a:srgbClr>
-          </a:solidFill>
-          <a:ln w="9524">
-            <a:solidFill>
-              <a:srgbClr val="000000"/>
-            </a:solidFill>
-            <a:round/>
-            <a:headEnd/>
-            <a:tailEnd/>
-          </a:ln>
-        </p:spPr>
-      </p:sp>
-      <p:sp>
-        <p:nvSpPr>
-          <p:cNvPr id="44" name="Shape 1139"/>
-          <p:cNvSpPr>
-            <a:spLocks noGrp="1" noChangeArrowheads="1"/>
-          </p:cNvSpPr>
-          <p:nvPr userDrawn="1"/>
-        </p:nvSpPr>
-        <p:spPr>
-          <a:xfrm>
-            <a:off x="1236348" y="3546832"/>
-            <a:ext cx="566631" cy="426091"/>
-          </a:xfrm>
-          <a:custGeom>
-            <a:avLst/>
-            <a:gdLst/>
-            <a:ahLst/>
-            <a:cxnLst/>
-            <a:rect l="l" t="t" r="r" b="b"/>
-            <a:pathLst>
-              <a:path w="43200" h="43200" stroke="0">
-                <a:moveTo>
-                  <a:pt x="21608" y="0"/>
-                </a:moveTo>
-                <a:lnTo>
-                  <a:pt x="21608" y="0"/>
-                </a:lnTo>
-                <a:cubicBezTo>
-                  <a:pt x="33533" y="0"/>
-                  <a:pt x="43200" y="9668"/>
-                  <a:pt x="43200" y="21593"/>
-                </a:cubicBezTo>
-                <a:lnTo>
-                  <a:pt x="43200" y="21593"/>
-                </a:lnTo>
-                <a:cubicBezTo>
-                  <a:pt x="43200" y="33519"/>
-                  <a:pt x="33533" y="43200"/>
-                  <a:pt x="21608" y="43200"/>
-                </a:cubicBezTo>
-                <a:lnTo>
-                  <a:pt x="21608" y="43200"/>
-                </a:lnTo>
-                <a:cubicBezTo>
-                  <a:pt x="9682" y="43200"/>
-                  <a:pt x="0" y="33519"/>
-                  <a:pt x="0" y="21593"/>
-                </a:cubicBezTo>
-                <a:lnTo>
-                  <a:pt x="0" y="21593"/>
-                </a:lnTo>
-                <a:cubicBezTo>
-                  <a:pt x="0" y="9668"/>
-                  <a:pt x="9682" y="0"/>
-                  <a:pt x="21608" y="0"/>
-                </a:cubicBezTo>
-                <a:close/>
-              </a:path>
-            </a:pathLst>
-          </a:custGeom>
-          <a:solidFill>
-            <a:srgbClr val="FFFFFF">
-              <a:alpha val="24705"/>
-            </a:srgbClr>
-          </a:solidFill>
-          <a:ln w="9524">
-            <a:solidFill>
-              <a:srgbClr val="000000"/>
-            </a:solidFill>
-            <a:round/>
-            <a:headEnd/>
-            <a:tailEnd/>
-          </a:ln>
-        </p:spPr>
-      </p:sp>
-      <p:sp>
-        <p:nvSpPr>
-          <p:cNvPr id="45" name="Shape 1140"/>
-          <p:cNvSpPr>
-            <a:spLocks noGrp="1" noChangeArrowheads="1"/>
-          </p:cNvSpPr>
-          <p:nvPr userDrawn="1"/>
-        </p:nvSpPr>
-        <p:spPr>
-          <a:xfrm>
-            <a:off x="1129876" y="4040307"/>
-            <a:ext cx="564938" cy="424781"/>
-          </a:xfrm>
-          <a:custGeom>
-            <a:avLst/>
-            <a:gdLst/>
-            <a:ahLst/>
-            <a:cxnLst/>
-            <a:rect l="l" t="t" r="r" b="b"/>
-            <a:pathLst>
-              <a:path w="43200" h="43200" stroke="0">
-                <a:moveTo>
-                  <a:pt x="21607" y="0"/>
-                </a:moveTo>
-                <a:lnTo>
-                  <a:pt x="21607" y="0"/>
-                </a:lnTo>
-                <a:cubicBezTo>
-                  <a:pt x="33536" y="0"/>
-                  <a:pt x="43200" y="9673"/>
-                  <a:pt x="43200" y="21599"/>
-                </a:cubicBezTo>
-                <a:lnTo>
-                  <a:pt x="43200" y="21599"/>
-                </a:lnTo>
-                <a:cubicBezTo>
-                  <a:pt x="43200" y="33526"/>
-                  <a:pt x="33536" y="43200"/>
-                  <a:pt x="21607" y="43200"/>
-                </a:cubicBezTo>
-                <a:lnTo>
-                  <a:pt x="21607" y="43200"/>
-                </a:lnTo>
-                <a:cubicBezTo>
-                  <a:pt x="9679" y="43200"/>
-                  <a:pt x="0" y="33526"/>
-                  <a:pt x="0" y="21599"/>
-                </a:cubicBezTo>
-                <a:lnTo>
-                  <a:pt x="0" y="21599"/>
-                </a:lnTo>
-                <a:cubicBezTo>
-                  <a:pt x="0" y="9673"/>
-                  <a:pt x="9679" y="0"/>
-                  <a:pt x="21607" y="0"/>
-                </a:cubicBezTo>
-                <a:close/>
-              </a:path>
-            </a:pathLst>
-          </a:custGeom>
-          <a:solidFill>
-            <a:srgbClr val="FFFFFF">
-              <a:alpha val="32549"/>
-            </a:srgbClr>
-          </a:solidFill>
-          <a:ln w="9524">
-            <a:solidFill>
-              <a:srgbClr val="000000"/>
-            </a:solidFill>
-            <a:round/>
-            <a:headEnd/>
-            <a:tailEnd/>
-          </a:ln>
-        </p:spPr>
-      </p:sp>
-      <p:sp>
-        <p:nvSpPr>
-          <p:cNvPr id="46" name="Shape 1141"/>
-          <p:cNvSpPr>
-            <a:spLocks noGrp="1" noChangeArrowheads="1"/>
-          </p:cNvSpPr>
-          <p:nvPr userDrawn="1"/>
-        </p:nvSpPr>
-        <p:spPr>
-          <a:xfrm>
-            <a:off x="1777576" y="4391276"/>
-            <a:ext cx="670136" cy="503952"/>
-          </a:xfrm>
-          <a:custGeom>
-            <a:avLst/>
-            <a:gdLst/>
-            <a:ahLst/>
-            <a:cxnLst/>
-            <a:rect l="l" t="t" r="r" b="b"/>
-            <a:pathLst>
-              <a:path w="43200" h="43200" stroke="0">
-                <a:moveTo>
-                  <a:pt x="21600" y="0"/>
-                </a:moveTo>
-                <a:lnTo>
-                  <a:pt x="21600" y="0"/>
-                </a:lnTo>
-                <a:cubicBezTo>
-                  <a:pt x="33525" y="0"/>
-                  <a:pt x="43200" y="9674"/>
-                  <a:pt x="43200" y="21605"/>
-                </a:cubicBezTo>
-                <a:lnTo>
-                  <a:pt x="43200" y="21605"/>
-                </a:lnTo>
-                <a:cubicBezTo>
-                  <a:pt x="43200" y="33535"/>
-                  <a:pt x="33525" y="43200"/>
-                  <a:pt x="21600" y="43200"/>
-                </a:cubicBezTo>
-                <a:lnTo>
-                  <a:pt x="21600" y="43200"/>
-                </a:lnTo>
-                <a:cubicBezTo>
-                  <a:pt x="9674" y="43200"/>
-                  <a:pt x="0" y="33535"/>
-                  <a:pt x="0" y="21605"/>
-                </a:cubicBezTo>
-                <a:lnTo>
-                  <a:pt x="0" y="21605"/>
-                </a:lnTo>
-                <a:cubicBezTo>
-                  <a:pt x="0" y="9674"/>
-                  <a:pt x="9674" y="0"/>
-                  <a:pt x="21600" y="0"/>
-                </a:cubicBezTo>
-                <a:close/>
-              </a:path>
-            </a:pathLst>
-          </a:custGeom>
-          <a:solidFill>
-            <a:srgbClr val="FFFFFF">
-              <a:alpha val="7058"/>
-            </a:srgbClr>
-          </a:solidFill>
-          <a:ln w="9524">
-            <a:solidFill>
-              <a:srgbClr val="000000"/>
-            </a:solidFill>
-            <a:round/>
-            <a:headEnd/>
-            <a:tailEnd/>
-          </a:ln>
-        </p:spPr>
-      </p:sp>
-      <p:sp>
-        <p:nvSpPr>
-          <p:cNvPr id="47" name="Shape 1142"/>
-          <p:cNvSpPr>
-            <a:spLocks noGrp="1" noChangeArrowheads="1"/>
-          </p:cNvSpPr>
-          <p:nvPr userDrawn="1"/>
-        </p:nvSpPr>
-        <p:spPr>
-          <a:xfrm>
-            <a:off x="1681483" y="4683362"/>
-            <a:ext cx="516255" cy="388351"/>
-          </a:xfrm>
-          <a:custGeom>
-            <a:avLst/>
-            <a:gdLst/>
-            <a:ahLst/>
-            <a:cxnLst/>
-            <a:rect l="l" t="t" r="r" b="b"/>
-            <a:pathLst>
-              <a:path w="43200" h="43200" stroke="0">
-                <a:moveTo>
-                  <a:pt x="21591" y="0"/>
-                </a:moveTo>
-                <a:lnTo>
-                  <a:pt x="21591" y="0"/>
-                </a:lnTo>
-                <a:cubicBezTo>
-                  <a:pt x="33528" y="0"/>
-                  <a:pt x="43198" y="9667"/>
-                  <a:pt x="43198" y="21600"/>
-                </a:cubicBezTo>
-                <a:lnTo>
-                  <a:pt x="43198" y="21600"/>
-                </a:lnTo>
-                <a:cubicBezTo>
-                  <a:pt x="43198" y="33519"/>
-                  <a:pt x="33528" y="43200"/>
-                  <a:pt x="21591" y="43200"/>
-                </a:cubicBezTo>
-                <a:lnTo>
-                  <a:pt x="21591" y="43200"/>
-                </a:lnTo>
-                <a:cubicBezTo>
-                  <a:pt x="9670" y="43200"/>
-                  <a:pt x="0" y="33519"/>
-                  <a:pt x="0" y="21600"/>
-                </a:cubicBezTo>
-                <a:lnTo>
-                  <a:pt x="0" y="21600"/>
-                </a:lnTo>
-                <a:cubicBezTo>
-                  <a:pt x="0" y="9667"/>
-                  <a:pt x="9670" y="0"/>
-                  <a:pt x="21591" y="0"/>
-                </a:cubicBezTo>
-                <a:close/>
-              </a:path>
-            </a:pathLst>
-          </a:custGeom>
-          <a:solidFill>
-            <a:srgbClr val="FFFFFF">
-              <a:alpha val="30980"/>
-            </a:srgbClr>
-          </a:solidFill>
-          <a:ln w="9524">
-            <a:solidFill>
-              <a:srgbClr val="000000"/>
-            </a:solidFill>
-            <a:round/>
-            <a:headEnd/>
-            <a:tailEnd/>
-          </a:ln>
-        </p:spPr>
-      </p:sp>
-      <p:sp>
-        <p:nvSpPr>
           <p:cNvPr id="48" name="Shape 1143"/>
           <p:cNvSpPr>
             <a:spLocks noGrp="1" noChangeArrowheads="1"/>
@@ -6711,156 +5520,6 @@
       </p:sp>
       <p:sp>
         <p:nvSpPr>
-          <p:cNvPr id="50" name="Shape 1145"/>
-          <p:cNvSpPr>
-            <a:spLocks noGrp="1" noChangeArrowheads="1"/>
-          </p:cNvSpPr>
-          <p:nvPr userDrawn="1"/>
-        </p:nvSpPr>
-        <p:spPr>
-          <a:xfrm>
-            <a:off x="2616838" y="3222531"/>
-            <a:ext cx="516255" cy="388232"/>
-          </a:xfrm>
-          <a:custGeom>
-            <a:avLst/>
-            <a:gdLst/>
-            <a:ahLst/>
-            <a:cxnLst/>
-            <a:rect l="l" t="t" r="r" b="b"/>
-            <a:pathLst>
-              <a:path w="43200" h="43200" stroke="0">
-                <a:moveTo>
-                  <a:pt x="21591" y="0"/>
-                </a:moveTo>
-                <a:lnTo>
-                  <a:pt x="21591" y="0"/>
-                </a:lnTo>
-                <a:cubicBezTo>
-                  <a:pt x="33529" y="0"/>
-                  <a:pt x="43200" y="9670"/>
-                  <a:pt x="43200" y="21593"/>
-                </a:cubicBezTo>
-                <a:lnTo>
-                  <a:pt x="43200" y="21593"/>
-                </a:lnTo>
-                <a:cubicBezTo>
-                  <a:pt x="43200" y="33529"/>
-                  <a:pt x="33529" y="43200"/>
-                  <a:pt x="21591" y="43200"/>
-                </a:cubicBezTo>
-                <a:lnTo>
-                  <a:pt x="21591" y="43200"/>
-                </a:lnTo>
-                <a:cubicBezTo>
-                  <a:pt x="9670" y="43200"/>
-                  <a:pt x="0" y="33529"/>
-                  <a:pt x="0" y="21593"/>
-                </a:cubicBezTo>
-                <a:lnTo>
-                  <a:pt x="0" y="21593"/>
-                </a:lnTo>
-                <a:cubicBezTo>
-                  <a:pt x="0" y="9670"/>
-                  <a:pt x="9670" y="0"/>
-                  <a:pt x="21591" y="0"/>
-                </a:cubicBezTo>
-                <a:close/>
-              </a:path>
-            </a:pathLst>
-          </a:custGeom>
-          <a:solidFill>
-            <a:srgbClr val="FFFFFF">
-              <a:alpha val="3529"/>
-            </a:srgbClr>
-          </a:solidFill>
-          <a:ln w="9524">
-            <a:solidFill>
-              <a:srgbClr val="000000"/>
-            </a:solidFill>
-            <a:round/>
-            <a:headEnd/>
-            <a:tailEnd/>
-          </a:ln>
-        </p:spPr>
-      </p:sp>
-      <p:sp>
-        <p:nvSpPr>
-          <p:cNvPr id="51" name="Shape 1146"/>
-          <p:cNvSpPr>
-            <a:spLocks noGrp="1" noChangeArrowheads="1"/>
-          </p:cNvSpPr>
-          <p:nvPr userDrawn="1"/>
-        </p:nvSpPr>
-        <p:spPr>
-          <a:xfrm>
-            <a:off x="1248412" y="929567"/>
-            <a:ext cx="606001" cy="455735"/>
-          </a:xfrm>
-          <a:custGeom>
-            <a:avLst/>
-            <a:gdLst/>
-            <a:ahLst/>
-            <a:cxnLst/>
-            <a:rect l="l" t="t" r="r" b="b"/>
-            <a:pathLst>
-              <a:path w="43200" h="43200" stroke="0">
-                <a:moveTo>
-                  <a:pt x="21592" y="0"/>
-                </a:moveTo>
-                <a:lnTo>
-                  <a:pt x="21592" y="0"/>
-                </a:lnTo>
-                <a:cubicBezTo>
-                  <a:pt x="33527" y="0"/>
-                  <a:pt x="43200" y="9670"/>
-                  <a:pt x="43200" y="21599"/>
-                </a:cubicBezTo>
-                <a:lnTo>
-                  <a:pt x="43200" y="21599"/>
-                </a:lnTo>
-                <a:cubicBezTo>
-                  <a:pt x="43200" y="33528"/>
-                  <a:pt x="33527" y="43200"/>
-                  <a:pt x="21592" y="43200"/>
-                </a:cubicBezTo>
-                <a:lnTo>
-                  <a:pt x="21592" y="43200"/>
-                </a:lnTo>
-                <a:cubicBezTo>
-                  <a:pt x="9672" y="43200"/>
-                  <a:pt x="0" y="33528"/>
-                  <a:pt x="0" y="21599"/>
-                </a:cubicBezTo>
-                <a:lnTo>
-                  <a:pt x="0" y="21599"/>
-                </a:lnTo>
-                <a:cubicBezTo>
-                  <a:pt x="0" y="9670"/>
-                  <a:pt x="9672" y="0"/>
-                  <a:pt x="21592" y="0"/>
-                </a:cubicBezTo>
-                <a:close/>
-              </a:path>
-            </a:pathLst>
-          </a:custGeom>
-          <a:solidFill>
-            <a:srgbClr val="FFFFFF">
-              <a:alpha val="27450"/>
-            </a:srgbClr>
-          </a:solidFill>
-          <a:ln w="9524">
-            <a:solidFill>
-              <a:srgbClr val="000000"/>
-            </a:solidFill>
-            <a:round/>
-            <a:headEnd/>
-            <a:tailEnd/>
-          </a:ln>
-        </p:spPr>
-      </p:sp>
-      <p:sp>
-        <p:nvSpPr>
           <p:cNvPr id="52" name="Shape 1147"/>
           <p:cNvSpPr>
             <a:spLocks noGrp="1" noChangeArrowheads="1"/>
@@ -6997,60 +5656,6 @@
           <a:solidFill>
             <a:srgbClr val="FFFFFF">
               <a:alpha val="16470"/>
-            </a:srgbClr>
-          </a:solidFill>
-          <a:ln w="9524">
-            <a:solidFill>
-              <a:srgbClr val="000000"/>
-            </a:solidFill>
-            <a:round/>
-            <a:headEnd/>
-            <a:tailEnd/>
-          </a:ln>
-        </p:spPr>
-      </p:sp>
-      <p:sp>
-        <p:nvSpPr>
-          <p:cNvPr id="54" name="Shape 1186"/>
-          <p:cNvSpPr>
-            <a:spLocks noGrp="1" noChangeArrowheads="1"/>
-          </p:cNvSpPr>
-          <p:nvPr userDrawn="1"/>
-        </p:nvSpPr>
-        <p:spPr>
-          <a:xfrm>
-            <a:off x="0" y="2965495"/>
-            <a:ext cx="9138776" cy="57264"/>
-          </a:xfrm>
-          <a:custGeom>
-            <a:avLst/>
-            <a:gdLst/>
-            <a:ahLst/>
-            <a:cxnLst/>
-            <a:rect l="l" t="t" r="r" b="b"/>
-            <a:pathLst>
-              <a:path w="43200" h="43200" stroke="0">
-                <a:moveTo>
-                  <a:pt x="0" y="0"/>
-                </a:moveTo>
-                <a:lnTo>
-                  <a:pt x="43200" y="0"/>
-                </a:lnTo>
-                <a:lnTo>
-                  <a:pt x="43200" y="43200"/>
-                </a:lnTo>
-                <a:lnTo>
-                  <a:pt x="0" y="43200"/>
-                </a:lnTo>
-                <a:lnTo>
-                  <a:pt x="0" y="0"/>
-                </a:lnTo>
-              </a:path>
-            </a:pathLst>
-          </a:custGeom>
-          <a:solidFill>
-            <a:srgbClr val="FFFFFF">
-              <a:alpha val="3529"/>
             </a:srgbClr>
           </a:solidFill>
           <a:ln w="9524">

--- a/PowerPoint/themes/theme3/official.pptx
+++ b/PowerPoint/themes/theme3/official.pptx
@@ -18,7 +18,7 @@
         <a:solidFill>
           <a:srgbClr val="000000"/>
         </a:solidFill>
-        <a:latin typeface="Calibri"/>
+        <a:latin typeface="Arial"/>
       </a:defRPr>
     </a:lvl1pPr>
     <a:lvl2pPr marL="457200" indent="0" algn="l">
@@ -26,7 +26,7 @@
         <a:solidFill>
           <a:srgbClr val="000000"/>
         </a:solidFill>
-        <a:latin typeface="Calibri"/>
+        <a:latin typeface="Arial"/>
       </a:defRPr>
     </a:lvl2pPr>
     <a:lvl3pPr marL="914400" indent="0" algn="l">
@@ -34,7 +34,7 @@
         <a:solidFill>
           <a:srgbClr val="000000"/>
         </a:solidFill>
-        <a:latin typeface="Calibri"/>
+        <a:latin typeface="Arial"/>
       </a:defRPr>
     </a:lvl3pPr>
     <a:lvl4pPr marL="1371600" indent="0" algn="l">
@@ -42,7 +42,7 @@
         <a:solidFill>
           <a:srgbClr val="000000"/>
         </a:solidFill>
-        <a:latin typeface="Calibri"/>
+        <a:latin typeface="Arial"/>
       </a:defRPr>
     </a:lvl4pPr>
     <a:lvl5pPr marL="1828800" indent="0" algn="l">
@@ -50,7 +50,7 @@
         <a:solidFill>
           <a:srgbClr val="000000"/>
         </a:solidFill>
-        <a:latin typeface="Calibri"/>
+        <a:latin typeface="Arial"/>
       </a:defRPr>
     </a:lvl5pPr>
     <a:lvl6pPr marL="2286000" indent="0" algn="l">
@@ -58,7 +58,7 @@
         <a:solidFill>
           <a:srgbClr val="000000"/>
         </a:solidFill>
-        <a:latin typeface="Calibri"/>
+        <a:latin typeface="Arial"/>
       </a:defRPr>
     </a:lvl6pPr>
     <a:lvl7pPr marL="2743200" indent="0" algn="l">
@@ -66,7 +66,7 @@
         <a:solidFill>
           <a:srgbClr val="000000"/>
         </a:solidFill>
-        <a:latin typeface="Calibri"/>
+        <a:latin typeface="Arial"/>
       </a:defRPr>
     </a:lvl7pPr>
     <a:lvl8pPr marL="3200400" indent="0" algn="l">
@@ -74,7 +74,7 @@
         <a:solidFill>
           <a:srgbClr val="000000"/>
         </a:solidFill>
-        <a:latin typeface="Calibri"/>
+        <a:latin typeface="Arial"/>
       </a:defRPr>
     </a:lvl8pPr>
     <a:lvl9pPr marL="3657600" indent="0" algn="l">
@@ -82,7 +82,7 @@
         <a:solidFill>
           <a:srgbClr val="000000"/>
         </a:solidFill>
-        <a:latin typeface="Calibri"/>
+        <a:latin typeface="Arial"/>
       </a:defRPr>
     </a:lvl9pPr>
   </p:defaultTextStyle>
@@ -7486,7 +7486,7 @@
     </a:clrScheme>
     <a:fontScheme name="Office">
       <a:majorFont>
-        <a:latin typeface="Calibri"/>
+        <a:latin typeface="Arial"/>
         <a:ea typeface=""/>
         <a:cs typeface=""/>
         <a:font script="Jpan" typeface="ＭＳ Ｐゴシック"/>
@@ -7520,7 +7520,7 @@
         <a:font script="Uigh" typeface="Microsoft Uighur"/>
       </a:majorFont>
       <a:minorFont>
-        <a:latin typeface="Calibri"/>
+        <a:latin typeface="Arial"/>
         <a:ea typeface=""/>
         <a:cs typeface=""/>
         <a:font script="Jpan" typeface="ＭＳ Ｐゴシック"/>

--- a/PowerPoint/themes/theme3/official.pptx
+++ b/PowerPoint/themes/theme3/official.pptx
@@ -6536,910 +6536,7 @@
     </a:fmtScheme>
   </a:themeElements>
   <a:objectDefaults/>
-  <a:extraClrSchemeLst>
-    <a:extraClrScheme>
-      <a:clrScheme name="Office">
-        <a:dk1>
-          <a:sysClr val="windowText" lastClr="000000"/>
-        </a:dk1>
-        <a:lt1>
-          <a:sysClr val="window" lastClr="FFFFFF"/>
-        </a:lt1>
-        <a:dk2>
-          <a:srgbClr val="1F497D"/>
-        </a:dk2>
-        <a:lt2>
-          <a:srgbClr val="EEECE1"/>
-        </a:lt2>
-        <a:accent1>
-          <a:srgbClr val="4F81BD"/>
-        </a:accent1>
-        <a:accent2>
-          <a:srgbClr val="C0504D"/>
-        </a:accent2>
-        <a:accent3>
-          <a:srgbClr val="9BBB59"/>
-        </a:accent3>
-        <a:accent4>
-          <a:srgbClr val="8064A2"/>
-        </a:accent4>
-        <a:accent5>
-          <a:srgbClr val="4BACC6"/>
-        </a:accent5>
-        <a:accent6>
-          <a:srgbClr val="F79646"/>
-        </a:accent6>
-        <a:hlink>
-          <a:srgbClr val="0000FF"/>
-        </a:hlink>
-        <a:folHlink>
-          <a:srgbClr val="800080"/>
-        </a:folHlink>
-      </a:clrScheme>
-      <a:clrMap bg1="lt1" tx1="dk1" bg2="lt2" tx2="dk2" accent1="accent1" accent2="accent2" accent3="accent3" accent4="accent4" accent5="accent5" accent6="accent6" hlink="hlink" folHlink="folHlink"/>
-    </a:extraClrScheme>
-    <a:extraClrScheme>
-      <a:clrScheme name="Grayscale">
-        <a:dk1>
-          <a:sysClr val="windowText" lastClr="000000"/>
-        </a:dk1>
-        <a:lt1>
-          <a:sysClr val="window" lastClr="FFFFFF"/>
-        </a:lt1>
-        <a:dk2>
-          <a:srgbClr val="000000"/>
-        </a:dk2>
-        <a:lt2>
-          <a:srgbClr val="F8F8F8"/>
-        </a:lt2>
-        <a:accent1>
-          <a:srgbClr val="DDDDDD"/>
-        </a:accent1>
-        <a:accent2>
-          <a:srgbClr val="B2B2B2"/>
-        </a:accent2>
-        <a:accent3>
-          <a:srgbClr val="969696"/>
-        </a:accent3>
-        <a:accent4>
-          <a:srgbClr val="808080"/>
-        </a:accent4>
-        <a:accent5>
-          <a:srgbClr val="5F5F5F"/>
-        </a:accent5>
-        <a:accent6>
-          <a:srgbClr val="4D4D4D"/>
-        </a:accent6>
-        <a:hlink>
-          <a:srgbClr val="5F5F5F"/>
-        </a:hlink>
-        <a:folHlink>
-          <a:srgbClr val="919191"/>
-        </a:folHlink>
-      </a:clrScheme>
-      <a:clrMap bg1="lt1" tx1="dk1" bg2="lt2" tx2="dk2" accent1="accent1" accent2="accent2" accent3="accent3" accent4="accent4" accent5="accent5" accent6="accent6" hlink="hlink" folHlink="folHlink"/>
-    </a:extraClrScheme>
-    <a:extraClrScheme>
-      <a:clrScheme name="Apex">
-        <a:dk1>
-          <a:sysClr val="windowText" lastClr="000000"/>
-        </a:dk1>
-        <a:lt1>
-          <a:sysClr val="window" lastClr="FFFFFF"/>
-        </a:lt1>
-        <a:dk2>
-          <a:srgbClr val="69676D"/>
-        </a:dk2>
-        <a:lt2>
-          <a:srgbClr val="C9C2D1"/>
-        </a:lt2>
-        <a:accent1>
-          <a:srgbClr val="CEB966"/>
-        </a:accent1>
-        <a:accent2>
-          <a:srgbClr val="9CB084"/>
-        </a:accent2>
-        <a:accent3>
-          <a:srgbClr val="6BB1C9"/>
-        </a:accent3>
-        <a:accent4>
-          <a:srgbClr val="6585CF"/>
-        </a:accent4>
-        <a:accent5>
-          <a:srgbClr val="7E6BC9"/>
-        </a:accent5>
-        <a:accent6>
-          <a:srgbClr val="A379BB"/>
-        </a:accent6>
-        <a:hlink>
-          <a:srgbClr val="410082"/>
-        </a:hlink>
-        <a:folHlink>
-          <a:srgbClr val="932968"/>
-        </a:folHlink>
-      </a:clrScheme>
-      <a:clrMap bg1="lt1" tx1="dk1" bg2="lt2" tx2="dk2" accent1="accent1" accent2="accent2" accent3="accent3" accent4="accent4" accent5="accent5" accent6="accent6" hlink="hlink" folHlink="folHlink"/>
-    </a:extraClrScheme>
-    <a:extraClrScheme>
-      <a:clrScheme name="Aspect">
-        <a:dk1>
-          <a:sysClr val="windowText" lastClr="000000"/>
-        </a:dk1>
-        <a:lt1>
-          <a:sysClr val="window" lastClr="FFFFFF"/>
-        </a:lt1>
-        <a:dk2>
-          <a:srgbClr val="323232"/>
-        </a:dk2>
-        <a:lt2>
-          <a:srgbClr val="E3DED1"/>
-        </a:lt2>
-        <a:accent1>
-          <a:srgbClr val="F07F09"/>
-        </a:accent1>
-        <a:accent2>
-          <a:srgbClr val="9F2936"/>
-        </a:accent2>
-        <a:accent3>
-          <a:srgbClr val="1B587C"/>
-        </a:accent3>
-        <a:accent4>
-          <a:srgbClr val="4E8542"/>
-        </a:accent4>
-        <a:accent5>
-          <a:srgbClr val="604878"/>
-        </a:accent5>
-        <a:accent6>
-          <a:srgbClr val="C19859"/>
-        </a:accent6>
-        <a:hlink>
-          <a:srgbClr val="6B9F25"/>
-        </a:hlink>
-        <a:folHlink>
-          <a:srgbClr val="B26B02"/>
-        </a:folHlink>
-      </a:clrScheme>
-      <a:clrMap bg1="lt1" tx1="dk1" bg2="lt2" tx2="dk2" accent1="accent1" accent2="accent2" accent3="accent3" accent4="accent4" accent5="accent5" accent6="accent6" hlink="hlink" folHlink="folHlink"/>
-    </a:extraClrScheme>
-    <a:extraClrScheme>
-      <a:clrScheme name="Civic">
-        <a:dk1>
-          <a:sysClr val="windowText" lastClr="000000"/>
-        </a:dk1>
-        <a:lt1>
-          <a:sysClr val="window" lastClr="FFFFFF"/>
-        </a:lt1>
-        <a:dk2>
-          <a:srgbClr val="646B86"/>
-        </a:dk2>
-        <a:lt2>
-          <a:srgbClr val="C5D1D7"/>
-        </a:lt2>
-        <a:accent1>
-          <a:srgbClr val="D16349"/>
-        </a:accent1>
-        <a:accent2>
-          <a:srgbClr val="CCB400"/>
-        </a:accent2>
-        <a:accent3>
-          <a:srgbClr val="8CADAE"/>
-        </a:accent3>
-        <a:accent4>
-          <a:srgbClr val="8C7B70"/>
-        </a:accent4>
-        <a:accent5>
-          <a:srgbClr val="8FB08C"/>
-        </a:accent5>
-        <a:accent6>
-          <a:srgbClr val="D19049"/>
-        </a:accent6>
-        <a:hlink>
-          <a:srgbClr val="00A3D6"/>
-        </a:hlink>
-        <a:folHlink>
-          <a:srgbClr val="694F07"/>
-        </a:folHlink>
-      </a:clrScheme>
-      <a:clrMap bg1="lt1" tx1="dk1" bg2="lt2" tx2="dk2" accent1="accent1" accent2="accent2" accent3="accent3" accent4="accent4" accent5="accent5" accent6="accent6" hlink="hlink" folHlink="folHlink"/>
-    </a:extraClrScheme>
-    <a:extraClrScheme>
-      <a:clrScheme name="Concourse">
-        <a:dk1>
-          <a:sysClr val="windowText" lastClr="000000"/>
-        </a:dk1>
-        <a:lt1>
-          <a:sysClr val="window" lastClr="FFFFFF"/>
-        </a:lt1>
-        <a:dk2>
-          <a:srgbClr val="464646"/>
-        </a:dk2>
-        <a:lt2>
-          <a:srgbClr val="DEF5FA"/>
-        </a:lt2>
-        <a:accent1>
-          <a:srgbClr val="2DA2BF"/>
-        </a:accent1>
-        <a:accent2>
-          <a:srgbClr val="DA1F28"/>
-        </a:accent2>
-        <a:accent3>
-          <a:srgbClr val="EB641B"/>
-        </a:accent3>
-        <a:accent4>
-          <a:srgbClr val="39639D"/>
-        </a:accent4>
-        <a:accent5>
-          <a:srgbClr val="474B78"/>
-        </a:accent5>
-        <a:accent6>
-          <a:srgbClr val="7D3C4A"/>
-        </a:accent6>
-        <a:hlink>
-          <a:srgbClr val="FF8119"/>
-        </a:hlink>
-        <a:folHlink>
-          <a:srgbClr val="44B9E8"/>
-        </a:folHlink>
-      </a:clrScheme>
-      <a:clrMap bg1="lt1" tx1="dk1" bg2="lt2" tx2="dk2" accent1="accent1" accent2="accent2" accent3="accent3" accent4="accent4" accent5="accent5" accent6="accent6" hlink="hlink" folHlink="folHlink"/>
-    </a:extraClrScheme>
-    <a:extraClrScheme>
-      <a:clrScheme name="Equity">
-        <a:dk1>
-          <a:sysClr val="windowText" lastClr="000000"/>
-        </a:dk1>
-        <a:lt1>
-          <a:sysClr val="window" lastClr="FFFFFF"/>
-        </a:lt1>
-        <a:dk2>
-          <a:srgbClr val="696464"/>
-        </a:dk2>
-        <a:lt2>
-          <a:srgbClr val="E9E5DC"/>
-        </a:lt2>
-        <a:accent1>
-          <a:srgbClr val="D34817"/>
-        </a:accent1>
-        <a:accent2>
-          <a:srgbClr val="9B2D1F"/>
-        </a:accent2>
-        <a:accent3>
-          <a:srgbClr val="A28E6A"/>
-        </a:accent3>
-        <a:accent4>
-          <a:srgbClr val="956251"/>
-        </a:accent4>
-        <a:accent5>
-          <a:srgbClr val="918485"/>
-        </a:accent5>
-        <a:accent6>
-          <a:srgbClr val="855D5D"/>
-        </a:accent6>
-        <a:hlink>
-          <a:srgbClr val="CC9900"/>
-        </a:hlink>
-        <a:folHlink>
-          <a:srgbClr val="96A9A9"/>
-        </a:folHlink>
-      </a:clrScheme>
-      <a:clrMap bg1="lt1" tx1="dk1" bg2="lt2" tx2="dk2" accent1="accent1" accent2="accent2" accent3="accent3" accent4="accent4" accent5="accent5" accent6="accent6" hlink="hlink" folHlink="folHlink"/>
-    </a:extraClrScheme>
-    <a:extraClrScheme>
-      <a:clrScheme name="Flow">
-        <a:dk1>
-          <a:sysClr val="windowText" lastClr="000000"/>
-        </a:dk1>
-        <a:lt1>
-          <a:sysClr val="window" lastClr="FFFFFF"/>
-        </a:lt1>
-        <a:dk2>
-          <a:srgbClr val="04617B"/>
-        </a:dk2>
-        <a:lt2>
-          <a:srgbClr val="DBF5F9"/>
-        </a:lt2>
-        <a:accent1>
-          <a:srgbClr val="0F6FC6"/>
-        </a:accent1>
-        <a:accent2>
-          <a:srgbClr val="009DD9"/>
-        </a:accent2>
-        <a:accent3>
-          <a:srgbClr val="0BD0D9"/>
-        </a:accent3>
-        <a:accent4>
-          <a:srgbClr val="10CF9B"/>
-        </a:accent4>
-        <a:accent5>
-          <a:srgbClr val="7CCA62"/>
-        </a:accent5>
-        <a:accent6>
-          <a:srgbClr val="A5C249"/>
-        </a:accent6>
-        <a:hlink>
-          <a:srgbClr val="F49100"/>
-        </a:hlink>
-        <a:folHlink>
-          <a:srgbClr val="85DFD0"/>
-        </a:folHlink>
-      </a:clrScheme>
-      <a:clrMap bg1="lt1" tx1="dk1" bg2="lt2" tx2="dk2" accent1="accent1" accent2="accent2" accent3="accent3" accent4="accent4" accent5="accent5" accent6="accent6" hlink="hlink" folHlink="folHlink"/>
-    </a:extraClrScheme>
-    <a:extraClrScheme>
-      <a:clrScheme name="Foundry">
-        <a:dk1>
-          <a:sysClr val="windowText" lastClr="000000"/>
-        </a:dk1>
-        <a:lt1>
-          <a:sysClr val="window" lastClr="FFFFFF"/>
-        </a:lt1>
-        <a:dk2>
-          <a:srgbClr val="676A55"/>
-        </a:dk2>
-        <a:lt2>
-          <a:srgbClr val="EAEBDE"/>
-        </a:lt2>
-        <a:accent1>
-          <a:srgbClr val="72A376"/>
-        </a:accent1>
-        <a:accent2>
-          <a:srgbClr val="B0CCB0"/>
-        </a:accent2>
-        <a:accent3>
-          <a:srgbClr val="A8CDD7"/>
-        </a:accent3>
-        <a:accent4>
-          <a:srgbClr val="C0BEAF"/>
-        </a:accent4>
-        <a:accent5>
-          <a:srgbClr val="CEC597"/>
-        </a:accent5>
-        <a:accent6>
-          <a:srgbClr val="E8B7B7"/>
-        </a:accent6>
-        <a:hlink>
-          <a:srgbClr val="DB5353"/>
-        </a:hlink>
-        <a:folHlink>
-          <a:srgbClr val="903638"/>
-        </a:folHlink>
-      </a:clrScheme>
-      <a:clrMap bg1="lt1" tx1="dk1" bg2="lt2" tx2="dk2" accent1="accent1" accent2="accent2" accent3="accent3" accent4="accent4" accent5="accent5" accent6="accent6" hlink="hlink" folHlink="folHlink"/>
-    </a:extraClrScheme>
-    <a:extraClrScheme>
-      <a:clrScheme name="Median">
-        <a:dk1>
-          <a:sysClr val="windowText" lastClr="000000"/>
-        </a:dk1>
-        <a:lt1>
-          <a:sysClr val="window" lastClr="FFFFFF"/>
-        </a:lt1>
-        <a:dk2>
-          <a:srgbClr val="775F55"/>
-        </a:dk2>
-        <a:lt2>
-          <a:srgbClr val="EBDDC3"/>
-        </a:lt2>
-        <a:accent1>
-          <a:srgbClr val="94B6D2"/>
-        </a:accent1>
-        <a:accent2>
-          <a:srgbClr val="DD8047"/>
-        </a:accent2>
-        <a:accent3>
-          <a:srgbClr val="A5AB81"/>
-        </a:accent3>
-        <a:accent4>
-          <a:srgbClr val="D8B25C"/>
-        </a:accent4>
-        <a:accent5>
-          <a:srgbClr val="7BA79D"/>
-        </a:accent5>
-        <a:accent6>
-          <a:srgbClr val="968C8C"/>
-        </a:accent6>
-        <a:hlink>
-          <a:srgbClr val="F7B615"/>
-        </a:hlink>
-        <a:folHlink>
-          <a:srgbClr val="704404"/>
-        </a:folHlink>
-      </a:clrScheme>
-      <a:clrMap bg1="lt1" tx1="dk1" bg2="lt2" tx2="dk2" accent1="accent1" accent2="accent2" accent3="accent3" accent4="accent4" accent5="accent5" accent6="accent6" hlink="hlink" folHlink="folHlink"/>
-    </a:extraClrScheme>
-    <a:extraClrScheme>
-      <a:clrScheme name="Metro">
-        <a:dk1>
-          <a:sysClr val="windowText" lastClr="000000"/>
-        </a:dk1>
-        <a:lt1>
-          <a:sysClr val="window" lastClr="FFFFFF"/>
-        </a:lt1>
-        <a:dk2>
-          <a:srgbClr val="4E5B6F"/>
-        </a:dk2>
-        <a:lt2>
-          <a:srgbClr val="D6ECFF"/>
-        </a:lt2>
-        <a:accent1>
-          <a:srgbClr val="7FD13B"/>
-        </a:accent1>
-        <a:accent2>
-          <a:srgbClr val="EA157A"/>
-        </a:accent2>
-        <a:accent3>
-          <a:srgbClr val="FEB80A"/>
-        </a:accent3>
-        <a:accent4>
-          <a:srgbClr val="00ADDC"/>
-        </a:accent4>
-        <a:accent5>
-          <a:srgbClr val="738AC8"/>
-        </a:accent5>
-        <a:accent6>
-          <a:srgbClr val="1AB39F"/>
-        </a:accent6>
-        <a:hlink>
-          <a:srgbClr val="EB8803"/>
-        </a:hlink>
-        <a:folHlink>
-          <a:srgbClr val="5F7791"/>
-        </a:folHlink>
-      </a:clrScheme>
-      <a:clrMap bg1="lt1" tx1="dk1" bg2="lt2" tx2="dk2" accent1="accent1" accent2="accent2" accent3="accent3" accent4="accent4" accent5="accent5" accent6="accent6" hlink="hlink" folHlink="folHlink"/>
-    </a:extraClrScheme>
-    <a:extraClrScheme>
-      <a:clrScheme name="Module">
-        <a:dk1>
-          <a:sysClr val="windowText" lastClr="000000"/>
-        </a:dk1>
-        <a:lt1>
-          <a:sysClr val="window" lastClr="FFFFFF"/>
-        </a:lt1>
-        <a:dk2>
-          <a:srgbClr val="5A6378"/>
-        </a:dk2>
-        <a:lt2>
-          <a:srgbClr val="D4D4D6"/>
-        </a:lt2>
-        <a:accent1>
-          <a:srgbClr val="F0AD00"/>
-        </a:accent1>
-        <a:accent2>
-          <a:srgbClr val="60B5CC"/>
-        </a:accent2>
-        <a:accent3>
-          <a:srgbClr val="E66C7D"/>
-        </a:accent3>
-        <a:accent4>
-          <a:srgbClr val="6BB76D"/>
-        </a:accent4>
-        <a:accent5>
-          <a:srgbClr val="E88651"/>
-        </a:accent5>
-        <a:accent6>
-          <a:srgbClr val="C64847"/>
-        </a:accent6>
-        <a:hlink>
-          <a:srgbClr val="168BBA"/>
-        </a:hlink>
-        <a:folHlink>
-          <a:srgbClr val="680000"/>
-        </a:folHlink>
-      </a:clrScheme>
-      <a:clrMap bg1="lt1" tx1="dk1" bg2="lt2" tx2="dk2" accent1="accent1" accent2="accent2" accent3="accent3" accent4="accent4" accent5="accent5" accent6="accent6" hlink="hlink" folHlink="folHlink"/>
-    </a:extraClrScheme>
-    <a:extraClrScheme>
-      <a:clrScheme name="Opulent">
-        <a:dk1>
-          <a:sysClr val="windowText" lastClr="000000"/>
-        </a:dk1>
-        <a:lt1>
-          <a:sysClr val="window" lastClr="FFFFFF"/>
-        </a:lt1>
-        <a:dk2>
-          <a:srgbClr val="B13F9A"/>
-        </a:dk2>
-        <a:lt2>
-          <a:srgbClr val="F4E7ED"/>
-        </a:lt2>
-        <a:accent1>
-          <a:srgbClr val="B83D68"/>
-        </a:accent1>
-        <a:accent2>
-          <a:srgbClr val="AC66BB"/>
-        </a:accent2>
-        <a:accent3>
-          <a:srgbClr val="DE6C36"/>
-        </a:accent3>
-        <a:accent4>
-          <a:srgbClr val="F9B639"/>
-        </a:accent4>
-        <a:accent5>
-          <a:srgbClr val="CF6DA4"/>
-        </a:accent5>
-        <a:accent6>
-          <a:srgbClr val="FA8D3D"/>
-        </a:accent6>
-        <a:hlink>
-          <a:srgbClr val="FFDE66"/>
-        </a:hlink>
-        <a:folHlink>
-          <a:srgbClr val="D490C5"/>
-        </a:folHlink>
-      </a:clrScheme>
-      <a:clrMap bg1="lt1" tx1="dk1" bg2="lt2" tx2="dk2" accent1="accent1" accent2="accent2" accent3="accent3" accent4="accent4" accent5="accent5" accent6="accent6" hlink="hlink" folHlink="folHlink"/>
-    </a:extraClrScheme>
-    <a:extraClrScheme>
-      <a:clrScheme name="Oriel">
-        <a:dk1>
-          <a:sysClr val="windowText" lastClr="000000"/>
-        </a:dk1>
-        <a:lt1>
-          <a:sysClr val="window" lastClr="FFFFFF"/>
-        </a:lt1>
-        <a:dk2>
-          <a:srgbClr val="575F6D"/>
-        </a:dk2>
-        <a:lt2>
-          <a:srgbClr val="FFF39D"/>
-        </a:lt2>
-        <a:accent1>
-          <a:srgbClr val="FE8637"/>
-        </a:accent1>
-        <a:accent2>
-          <a:srgbClr val="7598D9"/>
-        </a:accent2>
-        <a:accent3>
-          <a:srgbClr val="B32C16"/>
-        </a:accent3>
-        <a:accent4>
-          <a:srgbClr val="F5CD2D"/>
-        </a:accent4>
-        <a:accent5>
-          <a:srgbClr val="AEBAD5"/>
-        </a:accent5>
-        <a:accent6>
-          <a:srgbClr val="777C84"/>
-        </a:accent6>
-        <a:hlink>
-          <a:srgbClr val="D2611C"/>
-        </a:hlink>
-        <a:folHlink>
-          <a:srgbClr val="3B435B"/>
-        </a:folHlink>
-      </a:clrScheme>
-      <a:clrMap bg1="lt1" tx1="dk1" bg2="lt2" tx2="dk2" accent1="accent1" accent2="accent2" accent3="accent3" accent4="accent4" accent5="accent5" accent6="accent6" hlink="hlink" folHlink="folHlink"/>
-    </a:extraClrScheme>
-    <a:extraClrScheme>
-      <a:clrScheme name="Origin">
-        <a:dk1>
-          <a:sysClr val="windowText" lastClr="000000"/>
-        </a:dk1>
-        <a:lt1>
-          <a:sysClr val="window" lastClr="FFFFFF"/>
-        </a:lt1>
-        <a:dk2>
-          <a:srgbClr val="464653"/>
-        </a:dk2>
-        <a:lt2>
-          <a:srgbClr val="DDE9EC"/>
-        </a:lt2>
-        <a:accent1>
-          <a:srgbClr val="727CA3"/>
-        </a:accent1>
-        <a:accent2>
-          <a:srgbClr val="9FB8CD"/>
-        </a:accent2>
-        <a:accent3>
-          <a:srgbClr val="D2DA7A"/>
-        </a:accent3>
-        <a:accent4>
-          <a:srgbClr val="FADA7A"/>
-        </a:accent4>
-        <a:accent5>
-          <a:srgbClr val="B88472"/>
-        </a:accent5>
-        <a:accent6>
-          <a:srgbClr val="8E736A"/>
-        </a:accent6>
-        <a:hlink>
-          <a:srgbClr val="B292CA"/>
-        </a:hlink>
-        <a:folHlink>
-          <a:srgbClr val="6B5680"/>
-        </a:folHlink>
-      </a:clrScheme>
-      <a:clrMap bg1="lt1" tx1="dk1" bg2="lt2" tx2="dk2" accent1="accent1" accent2="accent2" accent3="accent3" accent4="accent4" accent5="accent5" accent6="accent6" hlink="hlink" folHlink="folHlink"/>
-    </a:extraClrScheme>
-    <a:extraClrScheme>
-      <a:clrScheme name="Paper">
-        <a:dk1>
-          <a:sysClr val="windowText" lastClr="000000"/>
-        </a:dk1>
-        <a:lt1>
-          <a:sysClr val="window" lastClr="FFFFFF"/>
-        </a:lt1>
-        <a:dk2>
-          <a:srgbClr val="444D26"/>
-        </a:dk2>
-        <a:lt2>
-          <a:srgbClr val="FEFAC9"/>
-        </a:lt2>
-        <a:accent1>
-          <a:srgbClr val="A5B592"/>
-        </a:accent1>
-        <a:accent2>
-          <a:srgbClr val="F3A447"/>
-        </a:accent2>
-        <a:accent3>
-          <a:srgbClr val="E7BC29"/>
-        </a:accent3>
-        <a:accent4>
-          <a:srgbClr val="D092A7"/>
-        </a:accent4>
-        <a:accent5>
-          <a:srgbClr val="9C85C0"/>
-        </a:accent5>
-        <a:accent6>
-          <a:srgbClr val="809EC2"/>
-        </a:accent6>
-        <a:hlink>
-          <a:srgbClr val="8E58B6"/>
-        </a:hlink>
-        <a:folHlink>
-          <a:srgbClr val="7F6F6F"/>
-        </a:folHlink>
-      </a:clrScheme>
-      <a:clrMap bg1="lt1" tx1="dk1" bg2="lt2" tx2="dk2" accent1="accent1" accent2="accent2" accent3="accent3" accent4="accent4" accent5="accent5" accent6="accent6" hlink="hlink" folHlink="folHlink"/>
-    </a:extraClrScheme>
-    <a:extraClrScheme>
-      <a:clrScheme name="Solstice">
-        <a:dk1>
-          <a:sysClr val="windowText" lastClr="000000"/>
-        </a:dk1>
-        <a:lt1>
-          <a:sysClr val="window" lastClr="FFFFFF"/>
-        </a:lt1>
-        <a:dk2>
-          <a:srgbClr val="4F271C"/>
-        </a:dk2>
-        <a:lt2>
-          <a:srgbClr val="E7DEC9"/>
-        </a:lt2>
-        <a:accent1>
-          <a:srgbClr val="3891A7"/>
-        </a:accent1>
-        <a:accent2>
-          <a:srgbClr val="FEB80A"/>
-        </a:accent2>
-        <a:accent3>
-          <a:srgbClr val="C32D2E"/>
-        </a:accent3>
-        <a:accent4>
-          <a:srgbClr val="84AA33"/>
-        </a:accent4>
-        <a:accent5>
-          <a:srgbClr val="964305"/>
-        </a:accent5>
-        <a:accent6>
-          <a:srgbClr val="475A8D"/>
-        </a:accent6>
-        <a:hlink>
-          <a:srgbClr val="8DC765"/>
-        </a:hlink>
-        <a:folHlink>
-          <a:srgbClr val="AA8A14"/>
-        </a:folHlink>
-      </a:clrScheme>
-      <a:clrMap bg1="lt1" tx1="dk1" bg2="lt2" tx2="dk2" accent1="accent1" accent2="accent2" accent3="accent3" accent4="accent4" accent5="accent5" accent6="accent6" hlink="hlink" folHlink="folHlink"/>
-    </a:extraClrScheme>
-    <a:extraClrScheme>
-      <a:clrScheme name="Technic">
-        <a:dk1>
-          <a:sysClr val="windowText" lastClr="000000"/>
-        </a:dk1>
-        <a:lt1>
-          <a:sysClr val="window" lastClr="FFFFFF"/>
-        </a:lt1>
-        <a:dk2>
-          <a:srgbClr val="3B3B3B"/>
-        </a:dk2>
-        <a:lt2>
-          <a:srgbClr val="D4D2D0"/>
-        </a:lt2>
-        <a:accent1>
-          <a:srgbClr val="6EA0B0"/>
-        </a:accent1>
-        <a:accent2>
-          <a:srgbClr val="CCAF0A"/>
-        </a:accent2>
-        <a:accent3>
-          <a:srgbClr val="8D89A4"/>
-        </a:accent3>
-        <a:accent4>
-          <a:srgbClr val="748560"/>
-        </a:accent4>
-        <a:accent5>
-          <a:srgbClr val="9E9273"/>
-        </a:accent5>
-        <a:accent6>
-          <a:srgbClr val="7E848D"/>
-        </a:accent6>
-        <a:hlink>
-          <a:srgbClr val="00C8C3"/>
-        </a:hlink>
-        <a:folHlink>
-          <a:srgbClr val="A116E0"/>
-        </a:folHlink>
-      </a:clrScheme>
-      <a:clrMap bg1="lt1" tx1="dk1" bg2="lt2" tx2="dk2" accent1="accent1" accent2="accent2" accent3="accent3" accent4="accent4" accent5="accent5" accent6="accent6" hlink="hlink" folHlink="folHlink"/>
-    </a:extraClrScheme>
-    <a:extraClrScheme>
-      <a:clrScheme name="Trek">
-        <a:dk1>
-          <a:sysClr val="windowText" lastClr="000000"/>
-        </a:dk1>
-        <a:lt1>
-          <a:sysClr val="window" lastClr="FFFFFF"/>
-        </a:lt1>
-        <a:dk2>
-          <a:srgbClr val="4E3B30"/>
-        </a:dk2>
-        <a:lt2>
-          <a:srgbClr val="FBEEC9"/>
-        </a:lt2>
-        <a:accent1>
-          <a:srgbClr val="F0A22E"/>
-        </a:accent1>
-        <a:accent2>
-          <a:srgbClr val="A5644E"/>
-        </a:accent2>
-        <a:accent3>
-          <a:srgbClr val="B58B80"/>
-        </a:accent3>
-        <a:accent4>
-          <a:srgbClr val="C3986D"/>
-        </a:accent4>
-        <a:accent5>
-          <a:srgbClr val="A19574"/>
-        </a:accent5>
-        <a:accent6>
-          <a:srgbClr val="C17529"/>
-        </a:accent6>
-        <a:hlink>
-          <a:srgbClr val="AD1F1F"/>
-        </a:hlink>
-        <a:folHlink>
-          <a:srgbClr val="FFC42F"/>
-        </a:folHlink>
-      </a:clrScheme>
-      <a:clrMap bg1="lt1" tx1="dk1" bg2="lt2" tx2="dk2" accent1="accent1" accent2="accent2" accent3="accent3" accent4="accent4" accent5="accent5" accent6="accent6" hlink="hlink" folHlink="folHlink"/>
-    </a:extraClrScheme>
-    <a:extraClrScheme>
-      <a:clrScheme name="Urban">
-        <a:dk1>
-          <a:sysClr val="windowText" lastClr="000000"/>
-        </a:dk1>
-        <a:lt1>
-          <a:sysClr val="window" lastClr="FFFFFF"/>
-        </a:lt1>
-        <a:dk2>
-          <a:srgbClr val="424456"/>
-        </a:dk2>
-        <a:lt2>
-          <a:srgbClr val="DEDEDE"/>
-        </a:lt2>
-        <a:accent1>
-          <a:srgbClr val="53548A"/>
-        </a:accent1>
-        <a:accent2>
-          <a:srgbClr val="438086"/>
-        </a:accent2>
-        <a:accent3>
-          <a:srgbClr val="A04DA3"/>
-        </a:accent3>
-        <a:accent4>
-          <a:srgbClr val="C4652D"/>
-        </a:accent4>
-        <a:accent5>
-          <a:srgbClr val="8B5D3D"/>
-        </a:accent5>
-        <a:accent6>
-          <a:srgbClr val="5C92B5"/>
-        </a:accent6>
-        <a:hlink>
-          <a:srgbClr val="67AFBD"/>
-        </a:hlink>
-        <a:folHlink>
-          <a:srgbClr val="C2A874"/>
-        </a:folHlink>
-      </a:clrScheme>
-      <a:clrMap bg1="lt1" tx1="dk1" bg2="lt2" tx2="dk2" accent1="accent1" accent2="accent2" accent3="accent3" accent4="accent4" accent5="accent5" accent6="accent6" hlink="hlink" folHlink="folHlink"/>
-    </a:extraClrScheme>
-    <a:extraClrScheme>
-      <a:clrScheme name="Verve">
-        <a:dk1>
-          <a:sysClr val="windowText" lastClr="000000"/>
-        </a:dk1>
-        <a:lt1>
-          <a:sysClr val="window" lastClr="FFFFFF"/>
-        </a:lt1>
-        <a:dk2>
-          <a:srgbClr val="666666"/>
-        </a:dk2>
-        <a:lt2>
-          <a:srgbClr val="D2D2D2"/>
-        </a:lt2>
-        <a:accent1>
-          <a:srgbClr val="FF388C"/>
-        </a:accent1>
-        <a:accent2>
-          <a:srgbClr val="E40059"/>
-        </a:accent2>
-        <a:accent3>
-          <a:srgbClr val="9C007F"/>
-        </a:accent3>
-        <a:accent4>
-          <a:srgbClr val="68007F"/>
-        </a:accent4>
-        <a:accent5>
-          <a:srgbClr val="005BD3"/>
-        </a:accent5>
-        <a:accent6>
-          <a:srgbClr val="00349E"/>
-        </a:accent6>
-        <a:hlink>
-          <a:srgbClr val="17BBFD"/>
-        </a:hlink>
-        <a:folHlink>
-          <a:srgbClr val="FF79C2"/>
-        </a:folHlink>
-      </a:clrScheme>
-      <a:clrMap bg1="lt1" tx1="dk1" bg2="lt2" tx2="dk2" accent1="accent1" accent2="accent2" accent3="accent3" accent4="accent4" accent5="accent5" accent6="accent6" hlink="hlink" folHlink="folHlink"/>
-    </a:extraClrScheme>
-    <a:extraClrScheme>
-      <a:clrScheme name="Custom">
-        <a:dk1>
-          <a:srgbClr val="0F243E"/>
-        </a:dk1>
-        <a:lt1>
-          <a:sysClr val="window" lastClr="FFFFFF"/>
-        </a:lt1>
-        <a:dk2>
-          <a:srgbClr val="1F497D"/>
-        </a:dk2>
-        <a:lt2>
-          <a:srgbClr val="EEECE1"/>
-        </a:lt2>
-        <a:accent1>
-          <a:srgbClr val="0000FF"/>
-        </a:accent1>
-        <a:accent2>
-          <a:srgbClr val="FE19FF"/>
-        </a:accent2>
-        <a:accent3>
-          <a:srgbClr val="00B050"/>
-        </a:accent3>
-        <a:accent4>
-          <a:srgbClr val="FF0000"/>
-        </a:accent4>
-        <a:accent5>
-          <a:srgbClr val="4BACC6"/>
-        </a:accent5>
-        <a:accent6>
-          <a:srgbClr val="FFFF00"/>
-        </a:accent6>
-        <a:hlink>
-          <a:srgbClr val="548DD4"/>
-        </a:hlink>
-        <a:folHlink>
-          <a:srgbClr val="FE19FF"/>
-        </a:folHlink>
-      </a:clrScheme>
-      <a:clrMap bg1="lt1" tx1="dk1" bg2="lt2" tx2="dk2" accent1="accent1" accent2="accent2" accent3="accent3" accent4="accent4" accent5="accent5" accent6="accent6" hlink="hlink" folHlink="folHlink"/>
-    </a:extraClrScheme>
-  </a:extraClrSchemeLst>
+  <a:extraClrSchemeLst/>
 </a:theme>
 </file>
 

--- a/PowerPoint/themes/theme3/official.pptx
+++ b/PowerPoint/themes/theme3/official.pptx
@@ -299,7 +299,7 @@
 
 <file path=ppt/slideLayouts/slideLayout1.xml><?xml version="1.0" encoding="utf-8"?>
 <p:sldLayout xmlns:a="http://schemas.openxmlformats.org/drawingml/2006/main" xmlns:r="http://schemas.openxmlformats.org/officeDocument/2006/relationships" xmlns:p="http://schemas.openxmlformats.org/presentationml/2006/main" type="title" userDrawn="1">
-  <p:cSld name="Титульный слайд">
+  <p:cSld name="Title Slide">
     <p:spTree>
       <p:nvGrpSpPr>
         <p:cNvPr id="1" name=""/>
@@ -615,7 +615,7 @@
 
 <file path=ppt/slideLayouts/slideLayout10.xml><?xml version="1.0" encoding="utf-8"?>
 <p:sldLayout xmlns:a="http://schemas.openxmlformats.org/drawingml/2006/main" xmlns:r="http://schemas.openxmlformats.org/officeDocument/2006/relationships" xmlns:p="http://schemas.openxmlformats.org/presentationml/2006/main" type="vertTx" preserve="1">
-  <p:cSld name="Заголовок и вертикальный текст">
+  <p:cSld name="Title and Vertical Text">
     <p:spTree>
       <p:nvGrpSpPr>
         <p:cNvPr id="1" name=""/>
@@ -794,7 +794,7 @@
 
 <file path=ppt/slideLayouts/slideLayout11.xml><?xml version="1.0" encoding="utf-8"?>
 <p:sldLayout xmlns:a="http://schemas.openxmlformats.org/drawingml/2006/main" xmlns:r="http://schemas.openxmlformats.org/officeDocument/2006/relationships" xmlns:p="http://schemas.openxmlformats.org/presentationml/2006/main" type="vertTitleAndTx" preserve="1">
-  <p:cSld name="Вертикальный заголовок и текст">
+  <p:cSld name="Vertical Title and Text">
     <p:spTree>
       <p:nvGrpSpPr>
         <p:cNvPr id="1" name=""/>
@@ -983,7 +983,7 @@
 
 <file path=ppt/slideLayouts/slideLayout2.xml><?xml version="1.0" encoding="utf-8"?>
 <p:sldLayout xmlns:a="http://schemas.openxmlformats.org/drawingml/2006/main" xmlns:r="http://schemas.openxmlformats.org/officeDocument/2006/relationships" xmlns:p="http://schemas.openxmlformats.org/presentationml/2006/main" type="obj" preserve="1">
-  <p:cSld name="Заголовок и объект">
+  <p:cSld name="Title and Content">
     <p:spTree>
       <p:nvGrpSpPr>
         <p:cNvPr id="1" name=""/>
@@ -1162,7 +1162,7 @@
 
 <file path=ppt/slideLayouts/slideLayout3.xml><?xml version="1.0" encoding="utf-8"?>
 <p:sldLayout xmlns:a="http://schemas.openxmlformats.org/drawingml/2006/main" xmlns:r="http://schemas.openxmlformats.org/officeDocument/2006/relationships" xmlns:p="http://schemas.openxmlformats.org/presentationml/2006/main" type="secHead" preserve="1">
-  <p:cSld name="Заголовок раздела">
+  <p:cSld name="Section Header">
     <p:spTree>
       <p:nvGrpSpPr>
         <p:cNvPr id="1" name=""/>
@@ -1417,7 +1417,7 @@
 
 <file path=ppt/slideLayouts/slideLayout4.xml><?xml version="1.0" encoding="utf-8"?>
 <p:sldLayout xmlns:a="http://schemas.openxmlformats.org/drawingml/2006/main" xmlns:r="http://schemas.openxmlformats.org/officeDocument/2006/relationships" xmlns:p="http://schemas.openxmlformats.org/presentationml/2006/main" type="twoObj" preserve="1" userDrawn="1">
-  <p:cSld name="Два объекта">
+  <p:cSld name="Two Content">
     <p:spTree>
       <p:nvGrpSpPr>
         <p:cNvPr id="1" name=""/>
@@ -1714,7 +1714,7 @@
 
 <file path=ppt/slideLayouts/slideLayout5.xml><?xml version="1.0" encoding="utf-8"?>
 <p:sldLayout xmlns:a="http://schemas.openxmlformats.org/drawingml/2006/main" xmlns:r="http://schemas.openxmlformats.org/officeDocument/2006/relationships" xmlns:p="http://schemas.openxmlformats.org/presentationml/2006/main" type="twoTxTwoObj" preserve="1" userDrawn="1">
-  <p:cSld name="Сравнение">
+  <p:cSld name="Comparison">
     <p:spTree>
       <p:nvGrpSpPr>
         <p:cNvPr id="1" name=""/>
@@ -2141,7 +2141,7 @@
 
 <file path=ppt/slideLayouts/slideLayout6.xml><?xml version="1.0" encoding="utf-8"?>
 <p:sldLayout xmlns:a="http://schemas.openxmlformats.org/drawingml/2006/main" xmlns:r="http://schemas.openxmlformats.org/officeDocument/2006/relationships" xmlns:p="http://schemas.openxmlformats.org/presentationml/2006/main" type="titleOnly" preserve="1">
-  <p:cSld name="Только заголовок">
+  <p:cSld name="Title Only">
     <p:spTree>
       <p:nvGrpSpPr>
         <p:cNvPr id="1" name=""/>
@@ -2268,7 +2268,7 @@
 
 <file path=ppt/slideLayouts/slideLayout7.xml><?xml version="1.0" encoding="utf-8"?>
 <p:sldLayout xmlns:a="http://schemas.openxmlformats.org/drawingml/2006/main" xmlns:r="http://schemas.openxmlformats.org/officeDocument/2006/relationships" xmlns:p="http://schemas.openxmlformats.org/presentationml/2006/main" type="blank" preserve="1">
-  <p:cSld name="Пустой слайд">
+  <p:cSld name="Blank">
     <p:spTree>
       <p:nvGrpSpPr>
         <p:cNvPr id="1" name=""/>
@@ -2372,7 +2372,7 @@
 
 <file path=ppt/slideLayouts/slideLayout8.xml><?xml version="1.0" encoding="utf-8"?>
 <p:sldLayout xmlns:a="http://schemas.openxmlformats.org/drawingml/2006/main" xmlns:r="http://schemas.openxmlformats.org/officeDocument/2006/relationships" xmlns:p="http://schemas.openxmlformats.org/presentationml/2006/main" type="objTx" preserve="1">
-  <p:cSld name="Объект с подписью">
+  <p:cSld name="Content with Caption">
     <p:spTree>
       <p:nvGrpSpPr>
         <p:cNvPr id="1" name=""/>
@@ -2658,7 +2658,7 @@
 
 <file path=ppt/slideLayouts/slideLayout9.xml><?xml version="1.0" encoding="utf-8"?>
 <p:sldLayout xmlns:a="http://schemas.openxmlformats.org/drawingml/2006/main" xmlns:r="http://schemas.openxmlformats.org/officeDocument/2006/relationships" xmlns:p="http://schemas.openxmlformats.org/presentationml/2006/main" type="picTx" preserve="1">
-  <p:cSld name="Рисунок с подписью">
+  <p:cSld name="Picture with Caption">
     <p:spTree>
       <p:nvGrpSpPr>
         <p:cNvPr id="1" name=""/>

--- a/PowerPoint/themes/theme3/official.pptx
+++ b/PowerPoint/themes/theme3/official.pptx
@@ -461,7 +461,7 @@
             <a:spLocks noGrp="1"/>
           </p:cNvSpPr>
           <p:nvPr>
-            <p:ph type="body" sz="quarter" idx="14" hasCustomPrompt="1"/>
+            <p:ph type="subTitle" idx="1" hasCustomPrompt="1"/>
           </p:nvPr>
         </p:nvSpPr>
         <p:spPr>
@@ -6204,7 +6204,7 @@
             <a:spLocks noGrp="1"/>
           </p:cNvSpPr>
           <p:nvPr>
-            <p:ph type="body" sz="quarter" idx="14"/>
+            <p:ph type="subTitle" idx="1"/>
           </p:nvPr>
         </p:nvSpPr>
         <p:spPr/>
